--- a/Präsentation_Projektarbeit.pptx
+++ b/Präsentation_Projektarbeit.pptx
@@ -5,14 +5,19 @@
     <p:sldMasterId id="2147483648" r:id="rId1"/>
   </p:sldMasterIdLst>
   <p:notesMasterIdLst>
-    <p:notesMasterId r:id="rId7"/>
+    <p:notesMasterId r:id="rId12"/>
   </p:notesMasterIdLst>
   <p:sldIdLst>
     <p:sldId id="257" r:id="rId2"/>
     <p:sldId id="256" r:id="rId3"/>
     <p:sldId id="265" r:id="rId4"/>
-    <p:sldId id="274" r:id="rId5"/>
-    <p:sldId id="275" r:id="rId6"/>
+    <p:sldId id="276" r:id="rId5"/>
+    <p:sldId id="277" r:id="rId6"/>
+    <p:sldId id="278" r:id="rId7"/>
+    <p:sldId id="279" r:id="rId8"/>
+    <p:sldId id="280" r:id="rId9"/>
+    <p:sldId id="274" r:id="rId10"/>
+    <p:sldId id="275" r:id="rId11"/>
   </p:sldIdLst>
   <p:sldSz cx="12192000" cy="6858000"/>
   <p:notesSz cx="6858000" cy="9144000"/>
@@ -5868,6 +5873,609 @@
           </p:txBody>
         </p:sp>
       </p:grpSp>
+      <mc:AlternateContent xmlns:mc="http://schemas.openxmlformats.org/markup-compatibility/2006">
+        <mc:Choice xmlns:a14="http://schemas.microsoft.com/office/drawing/2010/main" Requires="a14">
+          <p:sp>
+            <p:nvSpPr>
+              <p:cNvPr id="6" name="Textfeld 5">
+                <a:extLst>
+                  <a:ext uri="{FF2B5EF4-FFF2-40B4-BE49-F238E27FC236}">
+                    <a16:creationId xmlns:a16="http://schemas.microsoft.com/office/drawing/2014/main" id="{3D61D24C-CA92-4FE8-A988-871230F1A3D1}"/>
+                  </a:ext>
+                </a:extLst>
+              </p:cNvPr>
+              <p:cNvSpPr txBox="1"/>
+              <p:nvPr/>
+            </p:nvSpPr>
+            <p:spPr>
+              <a:xfrm>
+                <a:off x="829068" y="3515675"/>
+                <a:ext cx="2716564" cy="1680845"/>
+              </a:xfrm>
+              <a:prstGeom prst="rect">
+                <a:avLst/>
+              </a:prstGeom>
+              <a:noFill/>
+            </p:spPr>
+            <p:txBody>
+              <a:bodyPr wrap="square" lIns="0" tIns="0" rIns="0" bIns="0" rtlCol="0">
+                <a:spAutoFit/>
+              </a:bodyPr>
+              <a:lstStyle/>
+              <a:p>
+                <a14:m>
+                  <m:oMathPara xmlns:m="http://schemas.openxmlformats.org/officeDocument/2006/math">
+                    <m:oMathParaPr>
+                      <m:jc m:val="centerGroup"/>
+                    </m:oMathParaPr>
+                    <m:oMath xmlns:m="http://schemas.openxmlformats.org/officeDocument/2006/math">
+                      <m:nary>
+                        <m:naryPr>
+                          <m:chr m:val="∑"/>
+                          <m:ctrlPr>
+                            <a:rPr lang="pt-BR" sz="4000" i="1" smtClean="0">
+                              <a:latin typeface="Cambria Math" panose="02040503050406030204" pitchFamily="18" charset="0"/>
+                            </a:rPr>
+                          </m:ctrlPr>
+                        </m:naryPr>
+                        <m:sub>
+                          <m:r>
+                            <a:rPr lang="pt-BR" sz="4000" i="1" smtClean="0">
+                              <a:latin typeface="Cambria Math" panose="02040503050406030204" pitchFamily="18" charset="0"/>
+                            </a:rPr>
+                            <m:t>𝑘</m:t>
+                          </m:r>
+                          <m:r>
+                            <a:rPr lang="pt-BR" sz="4000" i="1" smtClean="0">
+                              <a:latin typeface="Cambria Math" panose="02040503050406030204" pitchFamily="18" charset="0"/>
+                            </a:rPr>
+                            <m:t>=0</m:t>
+                          </m:r>
+                        </m:sub>
+                        <m:sup>
+                          <m:r>
+                            <a:rPr lang="pt-BR" sz="4000" i="1" smtClean="0">
+                              <a:latin typeface="Cambria Math" panose="02040503050406030204" pitchFamily="18" charset="0"/>
+                            </a:rPr>
+                            <m:t>𝑛</m:t>
+                          </m:r>
+                        </m:sup>
+                        <m:e>
+                          <m:d>
+                            <m:dPr>
+                              <m:ctrlPr>
+                                <a:rPr lang="pt-BR" sz="4000" i="1" smtClean="0">
+                                  <a:latin typeface="Cambria Math" panose="02040503050406030204" pitchFamily="18" charset="0"/>
+                                </a:rPr>
+                              </m:ctrlPr>
+                            </m:dPr>
+                            <m:e>
+                              <m:f>
+                                <m:fPr>
+                                  <m:type m:val="noBar"/>
+                                  <m:ctrlPr>
+                                    <a:rPr lang="pt-BR" sz="4000" i="1" smtClean="0">
+                                      <a:latin typeface="Cambria Math" panose="02040503050406030204" pitchFamily="18" charset="0"/>
+                                    </a:rPr>
+                                  </m:ctrlPr>
+                                </m:fPr>
+                                <m:num>
+                                  <m:r>
+                                    <a:rPr lang="pt-BR" sz="4000" i="1" smtClean="0">
+                                      <a:latin typeface="Cambria Math" panose="02040503050406030204" pitchFamily="18" charset="0"/>
+                                    </a:rPr>
+                                    <m:t>𝑛</m:t>
+                                  </m:r>
+                                </m:num>
+                                <m:den>
+                                  <m:r>
+                                    <a:rPr lang="pt-BR" sz="4000" i="1" smtClean="0">
+                                      <a:latin typeface="Cambria Math" panose="02040503050406030204" pitchFamily="18" charset="0"/>
+                                    </a:rPr>
+                                    <m:t>𝑘</m:t>
+                                  </m:r>
+                                </m:den>
+                              </m:f>
+                            </m:e>
+                          </m:d>
+                        </m:e>
+                      </m:nary>
+                    </m:oMath>
+                  </m:oMathPara>
+                </a14:m>
+                <a:endParaRPr lang="de-DE" sz="4000" dirty="0"/>
+              </a:p>
+            </p:txBody>
+          </p:sp>
+        </mc:Choice>
+        <mc:Fallback>
+          <p:sp>
+            <p:nvSpPr>
+              <p:cNvPr id="6" name="Textfeld 5">
+                <a:extLst>
+                  <a:ext uri="{FF2B5EF4-FFF2-40B4-BE49-F238E27FC236}">
+                    <a16:creationId xmlns:a16="http://schemas.microsoft.com/office/drawing/2014/main" id="{3D61D24C-CA92-4FE8-A988-871230F1A3D1}"/>
+                  </a:ext>
+                </a:extLst>
+              </p:cNvPr>
+              <p:cNvSpPr txBox="1">
+                <a:spLocks noRot="1" noChangeAspect="1" noMove="1" noResize="1" noEditPoints="1" noAdjustHandles="1" noChangeArrowheads="1" noChangeShapeType="1" noTextEdit="1"/>
+              </p:cNvSpPr>
+              <p:nvPr/>
+            </p:nvSpPr>
+            <p:spPr>
+              <a:xfrm>
+                <a:off x="829068" y="3515675"/>
+                <a:ext cx="2716564" cy="1680845"/>
+              </a:xfrm>
+              <a:prstGeom prst="rect">
+                <a:avLst/>
+              </a:prstGeom>
+              <a:blipFill>
+                <a:blip r:embed="rId3"/>
+                <a:stretch>
+                  <a:fillRect/>
+                </a:stretch>
+              </a:blipFill>
+            </p:spPr>
+            <p:txBody>
+              <a:bodyPr/>
+              <a:lstStyle/>
+              <a:p>
+                <a:r>
+                  <a:rPr lang="de-DE">
+                    <a:noFill/>
+                  </a:rPr>
+                  <a:t> </a:t>
+                </a:r>
+              </a:p>
+            </p:txBody>
+          </p:sp>
+        </mc:Fallback>
+      </mc:AlternateContent>
+      <p:sp>
+        <p:nvSpPr>
+          <p:cNvPr id="8" name="Textfeld 7">
+            <a:extLst>
+              <a:ext uri="{FF2B5EF4-FFF2-40B4-BE49-F238E27FC236}">
+                <a16:creationId xmlns:a16="http://schemas.microsoft.com/office/drawing/2014/main" id="{0BB9F820-2A2B-4019-807A-BD4F5AF74328}"/>
+              </a:ext>
+            </a:extLst>
+          </p:cNvPr>
+          <p:cNvSpPr txBox="1"/>
+          <p:nvPr/>
+        </p:nvSpPr>
+        <p:spPr>
+          <a:xfrm>
+            <a:off x="8005666" y="647391"/>
+            <a:ext cx="3829242" cy="2554545"/>
+          </a:xfrm>
+          <a:prstGeom prst="rect">
+            <a:avLst/>
+          </a:prstGeom>
+          <a:noFill/>
+        </p:spPr>
+        <p:txBody>
+          <a:bodyPr wrap="square" rtlCol="0">
+            <a:spAutoFit/>
+          </a:bodyPr>
+          <a:lstStyle/>
+          <a:p>
+            <a:r>
+              <a:rPr lang="de-DE" sz="2000" dirty="0"/>
+              <a:t>10101100100110011001100100101010101010101010101010</a:t>
+            </a:r>
+          </a:p>
+          <a:p>
+            <a:r>
+              <a:rPr lang="de-DE" sz="2000" dirty="0"/>
+              <a:t>1110001110001110001110001</a:t>
+            </a:r>
+          </a:p>
+          <a:p>
+            <a:r>
+              <a:rPr lang="de-DE" sz="2000" dirty="0"/>
+              <a:t>1101001100110001011001101</a:t>
+            </a:r>
+          </a:p>
+          <a:p>
+            <a:r>
+              <a:rPr lang="de-DE" sz="2000" dirty="0"/>
+              <a:t>1010110010011001100110010</a:t>
+            </a:r>
+          </a:p>
+          <a:p>
+            <a:r>
+              <a:rPr lang="de-DE" sz="2000" dirty="0"/>
+              <a:t>0111111000011111000011111</a:t>
+            </a:r>
+          </a:p>
+          <a:p>
+            <a:r>
+              <a:rPr lang="de-DE" sz="2000" dirty="0"/>
+              <a:t>1010110010011001100110010</a:t>
+            </a:r>
+          </a:p>
+          <a:p>
+            <a:endParaRPr lang="de-DE" sz="2000" dirty="0"/>
+          </a:p>
+        </p:txBody>
+      </p:sp>
+      <p:sp>
+        <p:nvSpPr>
+          <p:cNvPr id="9" name="Textfeld 8">
+            <a:extLst>
+              <a:ext uri="{FF2B5EF4-FFF2-40B4-BE49-F238E27FC236}">
+                <a16:creationId xmlns:a16="http://schemas.microsoft.com/office/drawing/2014/main" id="{8CE0D408-B138-443D-B247-0A6115BFC974}"/>
+              </a:ext>
+            </a:extLst>
+          </p:cNvPr>
+          <p:cNvSpPr txBox="1"/>
+          <p:nvPr/>
+        </p:nvSpPr>
+        <p:spPr>
+          <a:xfrm>
+            <a:off x="357092" y="709330"/>
+            <a:ext cx="7506478" cy="2246769"/>
+          </a:xfrm>
+          <a:prstGeom prst="rect">
+            <a:avLst/>
+          </a:prstGeom>
+          <a:noFill/>
+        </p:spPr>
+        <p:txBody>
+          <a:bodyPr wrap="square" rtlCol="0">
+            <a:spAutoFit/>
+          </a:bodyPr>
+          <a:lstStyle/>
+          <a:p>
+            <a:r>
+              <a:rPr lang="de-DE" sz="2800" b="0" i="0" dirty="0">
+                <a:effectLst/>
+                <a:latin typeface="Courier New" panose="02070309020205020404" pitchFamily="49" charset="0"/>
+              </a:rPr>
+              <a:t>(</a:t>
+            </a:r>
+            <a:r>
+              <a:rPr lang="de-DE" sz="2800" b="0" i="1" u="none" strike="noStrike" dirty="0" err="1">
+                <a:effectLst/>
+                <a:latin typeface="Courier New" panose="02070309020205020404" pitchFamily="49" charset="0"/>
+                <a:hlinkClick r:id="rId4">
+                  <a:extLst>
+                    <a:ext uri="{A12FA001-AC4F-418D-AE19-62706E023703}">
+                      <ahyp:hlinkClr xmlns:ahyp="http://schemas.microsoft.com/office/drawing/2018/hyperlinkcolor" val="tx"/>
+                    </a:ext>
+                  </a:extLst>
+                </a:hlinkClick>
+              </a:rPr>
+              <a:t>defun</a:t>
+            </a:r>
+            <a:r>
+              <a:rPr lang="de-DE" sz="2800" b="0" i="0" dirty="0">
+                <a:effectLst/>
+                <a:latin typeface="Courier New" panose="02070309020205020404" pitchFamily="49" charset="0"/>
+              </a:rPr>
+              <a:t> </a:t>
+            </a:r>
+            <a:r>
+              <a:rPr lang="de-DE" sz="2800" b="0" i="0" dirty="0" err="1">
+                <a:effectLst/>
+                <a:latin typeface="Courier New" panose="02070309020205020404" pitchFamily="49" charset="0"/>
+              </a:rPr>
+              <a:t>fib</a:t>
+            </a:r>
+            <a:r>
+              <a:rPr lang="de-DE" sz="2800" b="0" i="0" dirty="0">
+                <a:effectLst/>
+                <a:latin typeface="Courier New" panose="02070309020205020404" pitchFamily="49" charset="0"/>
+              </a:rPr>
+              <a:t> (n) </a:t>
+            </a:r>
+          </a:p>
+          <a:p>
+            <a:r>
+              <a:rPr lang="de-DE" sz="2800" dirty="0">
+                <a:latin typeface="Courier New" panose="02070309020205020404" pitchFamily="49" charset="0"/>
+              </a:rPr>
+              <a:t>	</a:t>
+            </a:r>
+            <a:r>
+              <a:rPr lang="de-DE" sz="2800" b="0" i="0" dirty="0">
+                <a:effectLst/>
+                <a:latin typeface="Courier New" panose="02070309020205020404" pitchFamily="49" charset="0"/>
+              </a:rPr>
+              <a:t>(</a:t>
+            </a:r>
+            <a:r>
+              <a:rPr lang="de-DE" sz="2800" b="0" i="1" u="none" strike="noStrike" dirty="0" err="1">
+                <a:effectLst/>
+                <a:latin typeface="Courier New" panose="02070309020205020404" pitchFamily="49" charset="0"/>
+                <a:hlinkClick r:id="rId5">
+                  <a:extLst>
+                    <a:ext uri="{A12FA001-AC4F-418D-AE19-62706E023703}">
+                      <ahyp:hlinkClr xmlns:ahyp="http://schemas.microsoft.com/office/drawing/2018/hyperlinkcolor" val="tx"/>
+                    </a:ext>
+                  </a:extLst>
+                </a:hlinkClick>
+              </a:rPr>
+              <a:t>if</a:t>
+            </a:r>
+            <a:r>
+              <a:rPr lang="de-DE" sz="2800" b="0" i="0" dirty="0">
+                <a:effectLst/>
+                <a:latin typeface="Courier New" panose="02070309020205020404" pitchFamily="49" charset="0"/>
+              </a:rPr>
+              <a:t> (&lt; n 2) </a:t>
+            </a:r>
+          </a:p>
+          <a:p>
+            <a:r>
+              <a:rPr lang="de-DE" sz="2800" dirty="0">
+                <a:latin typeface="Courier New" panose="02070309020205020404" pitchFamily="49" charset="0"/>
+              </a:rPr>
+              <a:t>		</a:t>
+            </a:r>
+            <a:r>
+              <a:rPr lang="de-DE" sz="2800" b="0" i="0" dirty="0">
+                <a:effectLst/>
+                <a:latin typeface="Courier New" panose="02070309020205020404" pitchFamily="49" charset="0"/>
+              </a:rPr>
+              <a:t>n </a:t>
+            </a:r>
+          </a:p>
+          <a:p>
+            <a:r>
+              <a:rPr lang="de-DE" sz="2800" dirty="0">
+                <a:latin typeface="Courier New" panose="02070309020205020404" pitchFamily="49" charset="0"/>
+              </a:rPr>
+              <a:t>	</a:t>
+            </a:r>
+            <a:r>
+              <a:rPr lang="de-DE" sz="2800" b="0" i="0" dirty="0">
+                <a:effectLst/>
+                <a:latin typeface="Courier New" panose="02070309020205020404" pitchFamily="49" charset="0"/>
+              </a:rPr>
+              <a:t>(</a:t>
+            </a:r>
+            <a:r>
+              <a:rPr lang="de-DE" sz="2800" b="0" i="0" u="none" strike="noStrike" dirty="0">
+                <a:effectLst/>
+                <a:latin typeface="Courier New" panose="02070309020205020404" pitchFamily="49" charset="0"/>
+                <a:hlinkClick r:id="rId6">
+                  <a:extLst>
+                    <a:ext uri="{A12FA001-AC4F-418D-AE19-62706E023703}">
+                      <ahyp:hlinkClr xmlns:ahyp="http://schemas.microsoft.com/office/drawing/2018/hyperlinkcolor" val="tx"/>
+                    </a:ext>
+                  </a:extLst>
+                </a:hlinkClick>
+              </a:rPr>
+              <a:t>+</a:t>
+            </a:r>
+            <a:r>
+              <a:rPr lang="de-DE" sz="2800" b="0" i="0" dirty="0">
+                <a:effectLst/>
+                <a:latin typeface="Courier New" panose="02070309020205020404" pitchFamily="49" charset="0"/>
+              </a:rPr>
+              <a:t> (</a:t>
+            </a:r>
+            <a:r>
+              <a:rPr lang="de-DE" sz="2800" b="0" i="0" dirty="0" err="1">
+                <a:effectLst/>
+                <a:latin typeface="Courier New" panose="02070309020205020404" pitchFamily="49" charset="0"/>
+              </a:rPr>
+              <a:t>fib</a:t>
+            </a:r>
+            <a:r>
+              <a:rPr lang="de-DE" sz="2800" b="0" i="0" dirty="0">
+                <a:effectLst/>
+                <a:latin typeface="Courier New" panose="02070309020205020404" pitchFamily="49" charset="0"/>
+              </a:rPr>
+              <a:t> (</a:t>
+            </a:r>
+            <a:r>
+              <a:rPr lang="de-DE" sz="2800" b="0" i="0" u="none" strike="noStrike" dirty="0">
+                <a:effectLst/>
+                <a:latin typeface="Courier New" panose="02070309020205020404" pitchFamily="49" charset="0"/>
+                <a:hlinkClick r:id="rId7">
+                  <a:extLst>
+                    <a:ext uri="{A12FA001-AC4F-418D-AE19-62706E023703}">
+                      <ahyp:hlinkClr xmlns:ahyp="http://schemas.microsoft.com/office/drawing/2018/hyperlinkcolor" val="tx"/>
+                    </a:ext>
+                  </a:extLst>
+                </a:hlinkClick>
+              </a:rPr>
+              <a:t>1-</a:t>
+            </a:r>
+            <a:r>
+              <a:rPr lang="de-DE" sz="2800" b="0" i="0" dirty="0">
+                <a:effectLst/>
+                <a:latin typeface="Courier New" panose="02070309020205020404" pitchFamily="49" charset="0"/>
+              </a:rPr>
+              <a:t> n)) (</a:t>
+            </a:r>
+            <a:r>
+              <a:rPr lang="de-DE" sz="2800" b="0" i="0" dirty="0" err="1">
+                <a:effectLst/>
+                <a:latin typeface="Courier New" panose="02070309020205020404" pitchFamily="49" charset="0"/>
+              </a:rPr>
+              <a:t>fib</a:t>
+            </a:r>
+            <a:r>
+              <a:rPr lang="de-DE" sz="2800" b="0" i="0" dirty="0">
+                <a:effectLst/>
+                <a:latin typeface="Courier New" panose="02070309020205020404" pitchFamily="49" charset="0"/>
+              </a:rPr>
+              <a:t> (</a:t>
+            </a:r>
+            <a:r>
+              <a:rPr lang="de-DE" sz="2800" b="0" i="0" u="none" strike="noStrike" dirty="0">
+                <a:effectLst/>
+                <a:latin typeface="Courier New" panose="02070309020205020404" pitchFamily="49" charset="0"/>
+                <a:hlinkClick r:id="rId8">
+                  <a:extLst>
+                    <a:ext uri="{A12FA001-AC4F-418D-AE19-62706E023703}">
+                      <ahyp:hlinkClr xmlns:ahyp="http://schemas.microsoft.com/office/drawing/2018/hyperlinkcolor" val="tx"/>
+                    </a:ext>
+                  </a:extLst>
+                </a:hlinkClick>
+              </a:rPr>
+              <a:t>-</a:t>
+            </a:r>
+            <a:r>
+              <a:rPr lang="de-DE" sz="2800" b="0" i="0" dirty="0">
+                <a:effectLst/>
+                <a:latin typeface="Courier New" panose="02070309020205020404" pitchFamily="49" charset="0"/>
+              </a:rPr>
+              <a:t> n 2))))</a:t>
+            </a:r>
+          </a:p>
+          <a:p>
+            <a:r>
+              <a:rPr lang="de-DE" sz="2800" b="0" i="0" dirty="0">
+                <a:effectLst/>
+                <a:latin typeface="Courier New" panose="02070309020205020404" pitchFamily="49" charset="0"/>
+              </a:rPr>
+              <a:t>)</a:t>
+            </a:r>
+            <a:endParaRPr lang="de-DE" sz="2800" dirty="0"/>
+          </a:p>
+        </p:txBody>
+      </p:sp>
+      <p:sp>
+        <p:nvSpPr>
+          <p:cNvPr id="10" name="Textfeld 9">
+            <a:extLst>
+              <a:ext uri="{FF2B5EF4-FFF2-40B4-BE49-F238E27FC236}">
+                <a16:creationId xmlns:a16="http://schemas.microsoft.com/office/drawing/2014/main" id="{9230F35C-68D9-4BFD-B9C1-7D95C9C615B4}"/>
+              </a:ext>
+            </a:extLst>
+          </p:cNvPr>
+          <p:cNvSpPr txBox="1"/>
+          <p:nvPr/>
+        </p:nvSpPr>
+        <p:spPr>
+          <a:xfrm>
+            <a:off x="5239138" y="3201936"/>
+            <a:ext cx="4902264" cy="2308324"/>
+          </a:xfrm>
+          <a:prstGeom prst="rect">
+            <a:avLst/>
+          </a:prstGeom>
+          <a:noFill/>
+        </p:spPr>
+        <p:txBody>
+          <a:bodyPr wrap="square" rtlCol="0">
+            <a:spAutoFit/>
+          </a:bodyPr>
+          <a:lstStyle/>
+          <a:p>
+            <a:r>
+              <a:rPr lang="de-DE" dirty="0" err="1"/>
+              <a:t>using</a:t>
+            </a:r>
+            <a:r>
+              <a:rPr lang="de-DE" dirty="0"/>
+              <a:t> System;</a:t>
+            </a:r>
+          </a:p>
+          <a:p>
+            <a:endParaRPr lang="de-DE" dirty="0"/>
+          </a:p>
+          <a:p>
+            <a:endParaRPr lang="de-DE" dirty="0"/>
+          </a:p>
+          <a:p>
+            <a:r>
+              <a:rPr lang="de-DE" dirty="0" err="1"/>
+              <a:t>public</a:t>
+            </a:r>
+            <a:r>
+              <a:rPr lang="de-DE" dirty="0"/>
+              <a:t> </a:t>
+            </a:r>
+            <a:r>
+              <a:rPr lang="de-DE" dirty="0" err="1"/>
+              <a:t>static</a:t>
+            </a:r>
+            <a:r>
+              <a:rPr lang="de-DE" dirty="0"/>
+              <a:t> </a:t>
+            </a:r>
+            <a:r>
+              <a:rPr lang="de-DE" dirty="0" err="1"/>
+              <a:t>class</a:t>
+            </a:r>
+            <a:r>
+              <a:rPr lang="de-DE" dirty="0"/>
+              <a:t> </a:t>
+            </a:r>
+            <a:r>
+              <a:rPr lang="de-DE" dirty="0" err="1"/>
+              <a:t>Program</a:t>
+            </a:r>
+            <a:r>
+              <a:rPr lang="de-DE" dirty="0"/>
+              <a:t> {</a:t>
+            </a:r>
+          </a:p>
+          <a:p>
+            <a:r>
+              <a:rPr lang="de-DE" dirty="0"/>
+              <a:t>	</a:t>
+            </a:r>
+            <a:r>
+              <a:rPr lang="de-DE" dirty="0" err="1"/>
+              <a:t>public</a:t>
+            </a:r>
+            <a:r>
+              <a:rPr lang="de-DE" dirty="0"/>
+              <a:t> </a:t>
+            </a:r>
+            <a:r>
+              <a:rPr lang="de-DE" dirty="0" err="1"/>
+              <a:t>static</a:t>
+            </a:r>
+            <a:r>
+              <a:rPr lang="de-DE" dirty="0"/>
+              <a:t> </a:t>
+            </a:r>
+            <a:r>
+              <a:rPr lang="de-DE" dirty="0" err="1"/>
+              <a:t>void</a:t>
+            </a:r>
+            <a:r>
+              <a:rPr lang="de-DE" dirty="0"/>
+              <a:t> Main() {</a:t>
+            </a:r>
+          </a:p>
+          <a:p>
+            <a:r>
+              <a:rPr lang="de-DE" dirty="0"/>
+              <a:t>		</a:t>
+            </a:r>
+            <a:r>
+              <a:rPr lang="de-DE" dirty="0" err="1"/>
+              <a:t>Console.WriteLine</a:t>
+            </a:r>
+            <a:r>
+              <a:rPr lang="de-DE" dirty="0"/>
+              <a:t>(“Hello World“);</a:t>
+            </a:r>
+          </a:p>
+          <a:p>
+            <a:r>
+              <a:rPr lang="de-DE" dirty="0"/>
+              <a:t>	}</a:t>
+            </a:r>
+          </a:p>
+          <a:p>
+            <a:r>
+              <a:rPr lang="de-DE" dirty="0"/>
+              <a:t>}</a:t>
+            </a:r>
+          </a:p>
+        </p:txBody>
+      </p:sp>
     </p:spTree>
     <p:extLst>
       <p:ext uri="{BB962C8B-B14F-4D97-AF65-F5344CB8AC3E}">
@@ -5890,6 +6498,76 @@
       </p:transition>
     </mc:Fallback>
   </mc:AlternateContent>
+</p:sld>
+</file>
+
+<file path=ppt/slides/slide10.xml><?xml version="1.0" encoding="utf-8"?>
+<p:sld xmlns:a="http://schemas.openxmlformats.org/drawingml/2006/main" xmlns:r="http://schemas.openxmlformats.org/officeDocument/2006/relationships" xmlns:p="http://schemas.openxmlformats.org/presentationml/2006/main">
+  <p:cSld>
+    <p:spTree>
+      <p:nvGrpSpPr>
+        <p:cNvPr id="1" name=""/>
+        <p:cNvGrpSpPr/>
+        <p:nvPr/>
+      </p:nvGrpSpPr>
+      <p:grpSpPr>
+        <a:xfrm>
+          <a:off x="0" y="0"/>
+          <a:ext cx="0" cy="0"/>
+          <a:chOff x="0" y="0"/>
+          <a:chExt cx="0" cy="0"/>
+        </a:xfrm>
+      </p:grpSpPr>
+      <p:sp>
+        <p:nvSpPr>
+          <p:cNvPr id="3" name="Inhaltsplatzhalter 2">
+            <a:extLst>
+              <a:ext uri="{FF2B5EF4-FFF2-40B4-BE49-F238E27FC236}">
+                <a16:creationId xmlns:a16="http://schemas.microsoft.com/office/drawing/2014/main" id="{03FD3E67-263C-431C-8923-3839F14F17A8}"/>
+              </a:ext>
+            </a:extLst>
+          </p:cNvPr>
+          <p:cNvSpPr>
+            <a:spLocks noGrp="1"/>
+          </p:cNvSpPr>
+          <p:nvPr>
+            <p:ph idx="1"/>
+          </p:nvPr>
+        </p:nvSpPr>
+        <p:spPr>
+          <a:xfrm>
+            <a:off x="684212" y="1959015"/>
+            <a:ext cx="10448082" cy="2733233"/>
+          </a:xfrm>
+        </p:spPr>
+        <p:txBody>
+          <a:bodyPr/>
+          <a:lstStyle/>
+          <a:p>
+            <a:pPr marL="0" indent="0">
+              <a:buNone/>
+            </a:pPr>
+            <a:r>
+              <a:rPr lang="de-DE" sz="4400" dirty="0">
+                <a:solidFill>
+                  <a:schemeClr val="tx1"/>
+                </a:solidFill>
+              </a:rPr>
+              <a:t>Vielen Dank für eure Aufmerksamkeit</a:t>
+            </a:r>
+          </a:p>
+        </p:txBody>
+      </p:sp>
+    </p:spTree>
+    <p:extLst>
+      <p:ext uri="{BB962C8B-B14F-4D97-AF65-F5344CB8AC3E}">
+        <p14:creationId xmlns:p14="http://schemas.microsoft.com/office/powerpoint/2010/main" val="3399972400"/>
+      </p:ext>
+    </p:extLst>
+  </p:cSld>
+  <p:clrMapOvr>
+    <a:masterClrMapping/>
+  </p:clrMapOvr>
 </p:sld>
 </file>
 
@@ -6090,8 +6768,8 @@
         </p:nvSpPr>
         <p:spPr>
           <a:xfrm>
-            <a:off x="684211" y="54134"/>
-            <a:ext cx="11270375" cy="428675"/>
+            <a:off x="83976" y="54134"/>
+            <a:ext cx="12020449" cy="428675"/>
           </a:xfrm>
         </p:spPr>
         <p:txBody>
@@ -6139,6 +6817,76 @@
             <a:normAutofit/>
           </a:bodyPr>
           <a:lstStyle/>
+          <a:p>
+            <a:pPr>
+              <a:buFont typeface="Arial" panose="05040102010807070707" pitchFamily="18" charset="2"/>
+              <a:buChar char="•"/>
+            </a:pPr>
+            <a:r>
+              <a:rPr lang="de-DE" sz="2800" dirty="0">
+                <a:solidFill>
+                  <a:schemeClr val="tx1"/>
+                </a:solidFill>
+              </a:rPr>
+              <a:t>Anfänge der Programmierung</a:t>
+            </a:r>
+          </a:p>
+          <a:p>
+            <a:pPr>
+              <a:buFont typeface="Arial" panose="05040102010807070707" pitchFamily="18" charset="2"/>
+              <a:buChar char="•"/>
+            </a:pPr>
+            <a:r>
+              <a:rPr lang="de-DE" sz="2800" dirty="0">
+                <a:solidFill>
+                  <a:schemeClr val="tx1"/>
+                </a:solidFill>
+              </a:rPr>
+              <a:t>Minimalmaschine</a:t>
+            </a:r>
+          </a:p>
+          <a:p>
+            <a:pPr>
+              <a:buFont typeface="Arial" panose="05040102010807070707" pitchFamily="18" charset="2"/>
+              <a:buChar char="•"/>
+            </a:pPr>
+            <a:r>
+              <a:rPr lang="de-DE" sz="2800" dirty="0">
+                <a:solidFill>
+                  <a:schemeClr val="tx1"/>
+                </a:solidFill>
+              </a:rPr>
+              <a:t>Maschinensprache</a:t>
+            </a:r>
+          </a:p>
+          <a:p>
+            <a:pPr>
+              <a:buFont typeface="Arial" panose="05040102010807070707" pitchFamily="18" charset="2"/>
+              <a:buChar char="•"/>
+            </a:pPr>
+            <a:r>
+              <a:rPr lang="de-DE" sz="2800" dirty="0">
+                <a:solidFill>
+                  <a:schemeClr val="tx1"/>
+                </a:solidFill>
+              </a:rPr>
+              <a:t>Was sind höhere Programmiersprachen?</a:t>
+            </a:r>
+          </a:p>
+          <a:p>
+            <a:pPr>
+              <a:buFont typeface="Arial" panose="05040102010807070707" pitchFamily="18" charset="2"/>
+              <a:buChar char="•"/>
+            </a:pPr>
+            <a:r>
+              <a:rPr lang="de-DE" sz="2800" dirty="0">
+                <a:solidFill>
+                  <a:schemeClr val="tx1"/>
+                </a:solidFill>
+              </a:rPr>
+              <a:t>Fazit</a:t>
+            </a:r>
+          </a:p>
           <a:p>
             <a:pPr>
               <a:buFont typeface="Arial" panose="05040102010807070707" pitchFamily="18" charset="2"/>
@@ -6313,53 +7061,6 @@
           </p:txBody>
         </p:sp>
       </p:grpSp>
-      <p:pic>
-        <p:nvPicPr>
-          <p:cNvPr id="1028" name="Picture 4" descr="Content free icon">
-            <a:extLst>
-              <a:ext uri="{FF2B5EF4-FFF2-40B4-BE49-F238E27FC236}">
-                <a16:creationId xmlns:a16="http://schemas.microsoft.com/office/drawing/2014/main" id="{5E30F900-1F02-4875-8936-AF6B32BAD1E8}"/>
-              </a:ext>
-            </a:extLst>
-          </p:cNvPr>
-          <p:cNvPicPr>
-            <a:picLocks noChangeAspect="1" noChangeArrowheads="1"/>
-          </p:cNvPicPr>
-          <p:nvPr/>
-        </p:nvPicPr>
-        <p:blipFill>
-          <a:blip r:embed="rId3">
-            <a:extLst>
-              <a:ext uri="{28A0092B-C50C-407E-A947-70E740481C1C}">
-                <a14:useLocalDpi xmlns:a14="http://schemas.microsoft.com/office/drawing/2010/main" val="0"/>
-              </a:ext>
-            </a:extLst>
-          </a:blip>
-          <a:srcRect/>
-          <a:stretch>
-            <a:fillRect/>
-          </a:stretch>
-        </p:blipFill>
-        <p:spPr bwMode="auto">
-          <a:xfrm>
-            <a:off x="83699" y="54134"/>
-            <a:ext cx="427839" cy="428675"/>
-          </a:xfrm>
-          <a:prstGeom prst="rect">
-            <a:avLst/>
-          </a:prstGeom>
-          <a:noFill/>
-          <a:extLst>
-            <a:ext uri="{909E8E84-426E-40DD-AFC4-6F175D3DCCD1}">
-              <a14:hiddenFill xmlns:a14="http://schemas.microsoft.com/office/drawing/2010/main">
-                <a:solidFill>
-                  <a:srgbClr val="FFFFFF"/>
-                </a:solidFill>
-              </a14:hiddenFill>
-            </a:ext>
-          </a:extLst>
-        </p:spPr>
-      </p:pic>
     </p:spTree>
     <p:extLst>
       <p:ext uri="{BB962C8B-B14F-4D97-AF65-F5344CB8AC3E}">
@@ -6404,6 +7105,1691 @@
       </p:grpSpPr>
       <p:sp>
         <p:nvSpPr>
+          <p:cNvPr id="13" name="Rechteck 12">
+            <a:extLst>
+              <a:ext uri="{FF2B5EF4-FFF2-40B4-BE49-F238E27FC236}">
+                <a16:creationId xmlns:a16="http://schemas.microsoft.com/office/drawing/2014/main" id="{039F0CA3-0B6A-4C14-A5C6-6E8BEA475867}"/>
+              </a:ext>
+            </a:extLst>
+          </p:cNvPr>
+          <p:cNvSpPr/>
+          <p:nvPr/>
+        </p:nvSpPr>
+        <p:spPr>
+          <a:xfrm>
+            <a:off x="0" y="-25166"/>
+            <a:ext cx="12192000" cy="550717"/>
+          </a:xfrm>
+          <a:prstGeom prst="rect">
+            <a:avLst/>
+          </a:prstGeom>
+          <a:solidFill>
+            <a:schemeClr val="tx1">
+              <a:alpha val="24000"/>
+            </a:schemeClr>
+          </a:solidFill>
+          <a:ln>
+            <a:noFill/>
+          </a:ln>
+        </p:spPr>
+        <p:style>
+          <a:lnRef idx="2">
+            <a:schemeClr val="accent1">
+              <a:shade val="50000"/>
+            </a:schemeClr>
+          </a:lnRef>
+          <a:fillRef idx="1">
+            <a:schemeClr val="accent1"/>
+          </a:fillRef>
+          <a:effectRef idx="0">
+            <a:schemeClr val="accent1"/>
+          </a:effectRef>
+          <a:fontRef idx="minor">
+            <a:schemeClr val="lt1"/>
+          </a:fontRef>
+        </p:style>
+        <p:txBody>
+          <a:bodyPr rtlCol="0" anchor="ctr"/>
+          <a:lstStyle/>
+          <a:p>
+            <a:pPr algn="ctr"/>
+            <a:endParaRPr lang="de-DE"/>
+          </a:p>
+        </p:txBody>
+      </p:sp>
+      <p:sp>
+        <p:nvSpPr>
+          <p:cNvPr id="2" name="Titel 1">
+            <a:extLst>
+              <a:ext uri="{FF2B5EF4-FFF2-40B4-BE49-F238E27FC236}">
+                <a16:creationId xmlns:a16="http://schemas.microsoft.com/office/drawing/2014/main" id="{EF92486A-E9CE-4616-ACE4-A2CA0CEF5D6C}"/>
+              </a:ext>
+            </a:extLst>
+          </p:cNvPr>
+          <p:cNvSpPr>
+            <a:spLocks noGrp="1"/>
+          </p:cNvSpPr>
+          <p:nvPr>
+            <p:ph type="title"/>
+          </p:nvPr>
+        </p:nvSpPr>
+        <p:spPr>
+          <a:xfrm>
+            <a:off x="83976" y="54134"/>
+            <a:ext cx="12020449" cy="428675"/>
+          </a:xfrm>
+        </p:spPr>
+        <p:txBody>
+          <a:bodyPr>
+            <a:normAutofit fontScale="90000"/>
+          </a:bodyPr>
+          <a:lstStyle/>
+          <a:p>
+            <a:pPr algn="ctr"/>
+            <a:r>
+              <a:rPr lang="de-DE" dirty="0">
+                <a:solidFill>
+                  <a:schemeClr val="bg1"/>
+                </a:solidFill>
+              </a:rPr>
+              <a:t>Anfänge der Programmierung</a:t>
+            </a:r>
+          </a:p>
+        </p:txBody>
+      </p:sp>
+      <p:sp>
+        <p:nvSpPr>
+          <p:cNvPr id="3" name="Inhaltsplatzhalter 2">
+            <a:extLst>
+              <a:ext uri="{FF2B5EF4-FFF2-40B4-BE49-F238E27FC236}">
+                <a16:creationId xmlns:a16="http://schemas.microsoft.com/office/drawing/2014/main" id="{610040AA-8153-4DD2-A47D-1A8ECA8D97C3}"/>
+              </a:ext>
+            </a:extLst>
+          </p:cNvPr>
+          <p:cNvSpPr>
+            <a:spLocks noGrp="1"/>
+          </p:cNvSpPr>
+          <p:nvPr>
+            <p:ph idx="1"/>
+          </p:nvPr>
+        </p:nvSpPr>
+        <p:spPr>
+          <a:xfrm>
+            <a:off x="577951" y="953692"/>
+            <a:ext cx="8534400" cy="3615267"/>
+          </a:xfrm>
+        </p:spPr>
+        <p:txBody>
+          <a:bodyPr anchor="t">
+            <a:normAutofit/>
+          </a:bodyPr>
+          <a:lstStyle/>
+          <a:p>
+            <a:pPr>
+              <a:buFont typeface="Arial" panose="05040102010807070707" pitchFamily="18" charset="2"/>
+              <a:buChar char="•"/>
+            </a:pPr>
+            <a:endParaRPr lang="de-DE" sz="2800" dirty="0">
+              <a:solidFill>
+                <a:schemeClr val="tx1"/>
+              </a:solidFill>
+            </a:endParaRPr>
+          </a:p>
+        </p:txBody>
+      </p:sp>
+      <p:sp>
+        <p:nvSpPr>
+          <p:cNvPr id="14" name="Rechteck 13">
+            <a:extLst>
+              <a:ext uri="{FF2B5EF4-FFF2-40B4-BE49-F238E27FC236}">
+                <a16:creationId xmlns:a16="http://schemas.microsoft.com/office/drawing/2014/main" id="{6D5363DC-80F5-4B53-912E-6A982A9BD927}"/>
+              </a:ext>
+            </a:extLst>
+          </p:cNvPr>
+          <p:cNvSpPr/>
+          <p:nvPr/>
+        </p:nvSpPr>
+        <p:spPr>
+          <a:xfrm>
+            <a:off x="0" y="6315672"/>
+            <a:ext cx="12192000" cy="550717"/>
+          </a:xfrm>
+          <a:prstGeom prst="rect">
+            <a:avLst/>
+          </a:prstGeom>
+          <a:solidFill>
+            <a:schemeClr val="tx1">
+              <a:alpha val="24000"/>
+            </a:schemeClr>
+          </a:solidFill>
+          <a:ln>
+            <a:noFill/>
+          </a:ln>
+        </p:spPr>
+        <p:style>
+          <a:lnRef idx="2">
+            <a:schemeClr val="accent1">
+              <a:shade val="50000"/>
+            </a:schemeClr>
+          </a:lnRef>
+          <a:fillRef idx="1">
+            <a:schemeClr val="accent1"/>
+          </a:fillRef>
+          <a:effectRef idx="0">
+            <a:schemeClr val="accent1"/>
+          </a:effectRef>
+          <a:fontRef idx="minor">
+            <a:schemeClr val="lt1"/>
+          </a:fontRef>
+        </p:style>
+        <p:txBody>
+          <a:bodyPr rtlCol="0" anchor="ctr"/>
+          <a:lstStyle/>
+          <a:p>
+            <a:pPr algn="ctr"/>
+            <a:endParaRPr lang="de-DE"/>
+          </a:p>
+        </p:txBody>
+      </p:sp>
+      <p:grpSp>
+        <p:nvGrpSpPr>
+          <p:cNvPr id="15" name="Gruppieren 14">
+            <a:extLst>
+              <a:ext uri="{FF2B5EF4-FFF2-40B4-BE49-F238E27FC236}">
+                <a16:creationId xmlns:a16="http://schemas.microsoft.com/office/drawing/2014/main" id="{BCBCCFDB-78DF-41A8-85C8-3058ED2F9BDD}"/>
+              </a:ext>
+            </a:extLst>
+          </p:cNvPr>
+          <p:cNvGrpSpPr/>
+          <p:nvPr/>
+        </p:nvGrpSpPr>
+        <p:grpSpPr>
+          <a:xfrm>
+            <a:off x="10141402" y="6406363"/>
+            <a:ext cx="1963024" cy="369332"/>
+            <a:chOff x="8891441" y="6406363"/>
+            <a:chExt cx="1963024" cy="369332"/>
+          </a:xfrm>
+        </p:grpSpPr>
+        <p:pic>
+          <p:nvPicPr>
+            <p:cNvPr id="1026" name="Picture 2" descr="Copyright free icon">
+              <a:extLst>
+                <a:ext uri="{FF2B5EF4-FFF2-40B4-BE49-F238E27FC236}">
+                  <a16:creationId xmlns:a16="http://schemas.microsoft.com/office/drawing/2014/main" id="{59CE6A18-1CB2-434B-98E1-4ABDC7650471}"/>
+                </a:ext>
+              </a:extLst>
+            </p:cNvPr>
+            <p:cNvPicPr>
+              <a:picLocks noChangeAspect="1" noChangeArrowheads="1"/>
+            </p:cNvPicPr>
+            <p:nvPr/>
+          </p:nvPicPr>
+          <p:blipFill>
+            <a:blip r:embed="rId2">
+              <a:extLst>
+                <a:ext uri="{28A0092B-C50C-407E-A947-70E740481C1C}">
+                  <a14:useLocalDpi xmlns:a14="http://schemas.microsoft.com/office/drawing/2010/main" val="0"/>
+                </a:ext>
+              </a:extLst>
+            </a:blip>
+            <a:srcRect/>
+            <a:stretch>
+              <a:fillRect/>
+            </a:stretch>
+          </p:blipFill>
+          <p:spPr bwMode="auto">
+            <a:xfrm>
+              <a:off x="8891441" y="6437512"/>
+              <a:ext cx="327171" cy="327171"/>
+            </a:xfrm>
+            <a:prstGeom prst="rect">
+              <a:avLst/>
+            </a:prstGeom>
+            <a:noFill/>
+            <a:extLst>
+              <a:ext uri="{909E8E84-426E-40DD-AFC4-6F175D3DCCD1}">
+                <a14:hiddenFill xmlns:a14="http://schemas.microsoft.com/office/drawing/2010/main">
+                  <a:solidFill>
+                    <a:srgbClr val="FFFFFF"/>
+                  </a:solidFill>
+                </a14:hiddenFill>
+              </a:ext>
+            </a:extLst>
+          </p:spPr>
+        </p:pic>
+        <p:sp>
+          <p:nvSpPr>
+            <p:cNvPr id="4" name="Textfeld 3">
+              <a:extLst>
+                <a:ext uri="{FF2B5EF4-FFF2-40B4-BE49-F238E27FC236}">
+                  <a16:creationId xmlns:a16="http://schemas.microsoft.com/office/drawing/2014/main" id="{7605CF3E-C2A7-470A-941E-0C42BC191DBF}"/>
+                </a:ext>
+              </a:extLst>
+            </p:cNvPr>
+            <p:cNvSpPr txBox="1"/>
+            <p:nvPr/>
+          </p:nvSpPr>
+          <p:spPr>
+            <a:xfrm>
+              <a:off x="9218612" y="6406363"/>
+              <a:ext cx="1635853" cy="369332"/>
+            </a:xfrm>
+            <a:prstGeom prst="rect">
+              <a:avLst/>
+            </a:prstGeom>
+            <a:noFill/>
+          </p:spPr>
+          <p:txBody>
+            <a:bodyPr wrap="square" rtlCol="0">
+              <a:spAutoFit/>
+            </a:bodyPr>
+            <a:lstStyle/>
+            <a:p>
+              <a:r>
+                <a:rPr lang="de-DE">
+                  <a:solidFill>
+                    <a:schemeClr val="bg1"/>
+                  </a:solidFill>
+                </a:rPr>
+                <a:t>Chris Anders</a:t>
+              </a:r>
+            </a:p>
+          </p:txBody>
+        </p:sp>
+      </p:grpSp>
+    </p:spTree>
+    <p:extLst>
+      <p:ext uri="{BB962C8B-B14F-4D97-AF65-F5344CB8AC3E}">
+        <p14:creationId xmlns:p14="http://schemas.microsoft.com/office/powerpoint/2010/main" val="2620926397"/>
+      </p:ext>
+    </p:extLst>
+  </p:cSld>
+  <p:clrMapOvr>
+    <a:masterClrMapping/>
+  </p:clrMapOvr>
+  <mc:AlternateContent xmlns:mc="http://schemas.openxmlformats.org/markup-compatibility/2006" xmlns:p14="http://schemas.microsoft.com/office/powerpoint/2010/main">
+    <mc:Choice Requires="p14">
+      <p:transition spd="med" p14:dur="700">
+        <p:fade/>
+      </p:transition>
+    </mc:Choice>
+    <mc:Fallback xmlns="">
+      <p:transition spd="med">
+        <p:fade/>
+      </p:transition>
+    </mc:Fallback>
+  </mc:AlternateContent>
+</p:sld>
+</file>
+
+<file path=ppt/slides/slide5.xml><?xml version="1.0" encoding="utf-8"?>
+<p:sld xmlns:a="http://schemas.openxmlformats.org/drawingml/2006/main" xmlns:r="http://schemas.openxmlformats.org/officeDocument/2006/relationships" xmlns:p="http://schemas.openxmlformats.org/presentationml/2006/main">
+  <p:cSld>
+    <p:spTree>
+      <p:nvGrpSpPr>
+        <p:cNvPr id="1" name=""/>
+        <p:cNvGrpSpPr/>
+        <p:nvPr/>
+      </p:nvGrpSpPr>
+      <p:grpSpPr>
+        <a:xfrm>
+          <a:off x="0" y="0"/>
+          <a:ext cx="0" cy="0"/>
+          <a:chOff x="0" y="0"/>
+          <a:chExt cx="0" cy="0"/>
+        </a:xfrm>
+      </p:grpSpPr>
+      <p:sp>
+        <p:nvSpPr>
+          <p:cNvPr id="13" name="Rechteck 12">
+            <a:extLst>
+              <a:ext uri="{FF2B5EF4-FFF2-40B4-BE49-F238E27FC236}">
+                <a16:creationId xmlns:a16="http://schemas.microsoft.com/office/drawing/2014/main" id="{039F0CA3-0B6A-4C14-A5C6-6E8BEA475867}"/>
+              </a:ext>
+            </a:extLst>
+          </p:cNvPr>
+          <p:cNvSpPr/>
+          <p:nvPr/>
+        </p:nvSpPr>
+        <p:spPr>
+          <a:xfrm>
+            <a:off x="0" y="-25166"/>
+            <a:ext cx="12192000" cy="550717"/>
+          </a:xfrm>
+          <a:prstGeom prst="rect">
+            <a:avLst/>
+          </a:prstGeom>
+          <a:solidFill>
+            <a:schemeClr val="tx1">
+              <a:alpha val="24000"/>
+            </a:schemeClr>
+          </a:solidFill>
+          <a:ln>
+            <a:noFill/>
+          </a:ln>
+        </p:spPr>
+        <p:style>
+          <a:lnRef idx="2">
+            <a:schemeClr val="accent1">
+              <a:shade val="50000"/>
+            </a:schemeClr>
+          </a:lnRef>
+          <a:fillRef idx="1">
+            <a:schemeClr val="accent1"/>
+          </a:fillRef>
+          <a:effectRef idx="0">
+            <a:schemeClr val="accent1"/>
+          </a:effectRef>
+          <a:fontRef idx="minor">
+            <a:schemeClr val="lt1"/>
+          </a:fontRef>
+        </p:style>
+        <p:txBody>
+          <a:bodyPr rtlCol="0" anchor="ctr"/>
+          <a:lstStyle/>
+          <a:p>
+            <a:pPr algn="ctr"/>
+            <a:endParaRPr lang="de-DE"/>
+          </a:p>
+        </p:txBody>
+      </p:sp>
+      <p:sp>
+        <p:nvSpPr>
+          <p:cNvPr id="2" name="Titel 1">
+            <a:extLst>
+              <a:ext uri="{FF2B5EF4-FFF2-40B4-BE49-F238E27FC236}">
+                <a16:creationId xmlns:a16="http://schemas.microsoft.com/office/drawing/2014/main" id="{EF92486A-E9CE-4616-ACE4-A2CA0CEF5D6C}"/>
+              </a:ext>
+            </a:extLst>
+          </p:cNvPr>
+          <p:cNvSpPr>
+            <a:spLocks noGrp="1"/>
+          </p:cNvSpPr>
+          <p:nvPr>
+            <p:ph type="title"/>
+          </p:nvPr>
+        </p:nvSpPr>
+        <p:spPr>
+          <a:xfrm>
+            <a:off x="83976" y="54134"/>
+            <a:ext cx="12020449" cy="428675"/>
+          </a:xfrm>
+        </p:spPr>
+        <p:txBody>
+          <a:bodyPr>
+            <a:normAutofit fontScale="90000"/>
+          </a:bodyPr>
+          <a:lstStyle/>
+          <a:p>
+            <a:pPr algn="ctr"/>
+            <a:r>
+              <a:rPr lang="de-DE" dirty="0">
+                <a:solidFill>
+                  <a:schemeClr val="bg1"/>
+                </a:solidFill>
+              </a:rPr>
+              <a:t>Minimalmaschine</a:t>
+            </a:r>
+          </a:p>
+        </p:txBody>
+      </p:sp>
+      <p:sp>
+        <p:nvSpPr>
+          <p:cNvPr id="3" name="Inhaltsplatzhalter 2">
+            <a:extLst>
+              <a:ext uri="{FF2B5EF4-FFF2-40B4-BE49-F238E27FC236}">
+                <a16:creationId xmlns:a16="http://schemas.microsoft.com/office/drawing/2014/main" id="{610040AA-8153-4DD2-A47D-1A8ECA8D97C3}"/>
+              </a:ext>
+            </a:extLst>
+          </p:cNvPr>
+          <p:cNvSpPr>
+            <a:spLocks noGrp="1"/>
+          </p:cNvSpPr>
+          <p:nvPr>
+            <p:ph idx="1"/>
+          </p:nvPr>
+        </p:nvSpPr>
+        <p:spPr>
+          <a:xfrm>
+            <a:off x="577951" y="953692"/>
+            <a:ext cx="8534400" cy="3615267"/>
+          </a:xfrm>
+        </p:spPr>
+        <p:txBody>
+          <a:bodyPr anchor="t">
+            <a:normAutofit/>
+          </a:bodyPr>
+          <a:lstStyle/>
+          <a:p>
+            <a:pPr>
+              <a:buFont typeface="Arial" panose="05040102010807070707" pitchFamily="18" charset="2"/>
+              <a:buChar char="•"/>
+            </a:pPr>
+            <a:endParaRPr lang="de-DE" sz="2800" dirty="0">
+              <a:solidFill>
+                <a:schemeClr val="tx1"/>
+              </a:solidFill>
+            </a:endParaRPr>
+          </a:p>
+        </p:txBody>
+      </p:sp>
+      <p:sp>
+        <p:nvSpPr>
+          <p:cNvPr id="14" name="Rechteck 13">
+            <a:extLst>
+              <a:ext uri="{FF2B5EF4-FFF2-40B4-BE49-F238E27FC236}">
+                <a16:creationId xmlns:a16="http://schemas.microsoft.com/office/drawing/2014/main" id="{6D5363DC-80F5-4B53-912E-6A982A9BD927}"/>
+              </a:ext>
+            </a:extLst>
+          </p:cNvPr>
+          <p:cNvSpPr/>
+          <p:nvPr/>
+        </p:nvSpPr>
+        <p:spPr>
+          <a:xfrm>
+            <a:off x="0" y="6315672"/>
+            <a:ext cx="12192000" cy="550717"/>
+          </a:xfrm>
+          <a:prstGeom prst="rect">
+            <a:avLst/>
+          </a:prstGeom>
+          <a:solidFill>
+            <a:schemeClr val="tx1">
+              <a:alpha val="24000"/>
+            </a:schemeClr>
+          </a:solidFill>
+          <a:ln>
+            <a:noFill/>
+          </a:ln>
+        </p:spPr>
+        <p:style>
+          <a:lnRef idx="2">
+            <a:schemeClr val="accent1">
+              <a:shade val="50000"/>
+            </a:schemeClr>
+          </a:lnRef>
+          <a:fillRef idx="1">
+            <a:schemeClr val="accent1"/>
+          </a:fillRef>
+          <a:effectRef idx="0">
+            <a:schemeClr val="accent1"/>
+          </a:effectRef>
+          <a:fontRef idx="minor">
+            <a:schemeClr val="lt1"/>
+          </a:fontRef>
+        </p:style>
+        <p:txBody>
+          <a:bodyPr rtlCol="0" anchor="ctr"/>
+          <a:lstStyle/>
+          <a:p>
+            <a:pPr algn="ctr"/>
+            <a:endParaRPr lang="de-DE"/>
+          </a:p>
+        </p:txBody>
+      </p:sp>
+      <p:grpSp>
+        <p:nvGrpSpPr>
+          <p:cNvPr id="15" name="Gruppieren 14">
+            <a:extLst>
+              <a:ext uri="{FF2B5EF4-FFF2-40B4-BE49-F238E27FC236}">
+                <a16:creationId xmlns:a16="http://schemas.microsoft.com/office/drawing/2014/main" id="{BCBCCFDB-78DF-41A8-85C8-3058ED2F9BDD}"/>
+              </a:ext>
+            </a:extLst>
+          </p:cNvPr>
+          <p:cNvGrpSpPr/>
+          <p:nvPr/>
+        </p:nvGrpSpPr>
+        <p:grpSpPr>
+          <a:xfrm>
+            <a:off x="10141402" y="6406363"/>
+            <a:ext cx="1963024" cy="369332"/>
+            <a:chOff x="8891441" y="6406363"/>
+            <a:chExt cx="1963024" cy="369332"/>
+          </a:xfrm>
+        </p:grpSpPr>
+        <p:pic>
+          <p:nvPicPr>
+            <p:cNvPr id="1026" name="Picture 2" descr="Copyright free icon">
+              <a:extLst>
+                <a:ext uri="{FF2B5EF4-FFF2-40B4-BE49-F238E27FC236}">
+                  <a16:creationId xmlns:a16="http://schemas.microsoft.com/office/drawing/2014/main" id="{59CE6A18-1CB2-434B-98E1-4ABDC7650471}"/>
+                </a:ext>
+              </a:extLst>
+            </p:cNvPr>
+            <p:cNvPicPr>
+              <a:picLocks noChangeAspect="1" noChangeArrowheads="1"/>
+            </p:cNvPicPr>
+            <p:nvPr/>
+          </p:nvPicPr>
+          <p:blipFill>
+            <a:blip r:embed="rId2">
+              <a:extLst>
+                <a:ext uri="{28A0092B-C50C-407E-A947-70E740481C1C}">
+                  <a14:useLocalDpi xmlns:a14="http://schemas.microsoft.com/office/drawing/2010/main" val="0"/>
+                </a:ext>
+              </a:extLst>
+            </a:blip>
+            <a:srcRect/>
+            <a:stretch>
+              <a:fillRect/>
+            </a:stretch>
+          </p:blipFill>
+          <p:spPr bwMode="auto">
+            <a:xfrm>
+              <a:off x="8891441" y="6437512"/>
+              <a:ext cx="327171" cy="327171"/>
+            </a:xfrm>
+            <a:prstGeom prst="rect">
+              <a:avLst/>
+            </a:prstGeom>
+            <a:noFill/>
+            <a:extLst>
+              <a:ext uri="{909E8E84-426E-40DD-AFC4-6F175D3DCCD1}">
+                <a14:hiddenFill xmlns:a14="http://schemas.microsoft.com/office/drawing/2010/main">
+                  <a:solidFill>
+                    <a:srgbClr val="FFFFFF"/>
+                  </a:solidFill>
+                </a14:hiddenFill>
+              </a:ext>
+            </a:extLst>
+          </p:spPr>
+        </p:pic>
+        <p:sp>
+          <p:nvSpPr>
+            <p:cNvPr id="4" name="Textfeld 3">
+              <a:extLst>
+                <a:ext uri="{FF2B5EF4-FFF2-40B4-BE49-F238E27FC236}">
+                  <a16:creationId xmlns:a16="http://schemas.microsoft.com/office/drawing/2014/main" id="{7605CF3E-C2A7-470A-941E-0C42BC191DBF}"/>
+                </a:ext>
+              </a:extLst>
+            </p:cNvPr>
+            <p:cNvSpPr txBox="1"/>
+            <p:nvPr/>
+          </p:nvSpPr>
+          <p:spPr>
+            <a:xfrm>
+              <a:off x="9218612" y="6406363"/>
+              <a:ext cx="1635853" cy="369332"/>
+            </a:xfrm>
+            <a:prstGeom prst="rect">
+              <a:avLst/>
+            </a:prstGeom>
+            <a:noFill/>
+          </p:spPr>
+          <p:txBody>
+            <a:bodyPr wrap="square" rtlCol="0">
+              <a:spAutoFit/>
+            </a:bodyPr>
+            <a:lstStyle/>
+            <a:p>
+              <a:r>
+                <a:rPr lang="de-DE">
+                  <a:solidFill>
+                    <a:schemeClr val="bg1"/>
+                  </a:solidFill>
+                </a:rPr>
+                <a:t>Chris Anders</a:t>
+              </a:r>
+            </a:p>
+          </p:txBody>
+        </p:sp>
+      </p:grpSp>
+    </p:spTree>
+    <p:extLst>
+      <p:ext uri="{BB962C8B-B14F-4D97-AF65-F5344CB8AC3E}">
+        <p14:creationId xmlns:p14="http://schemas.microsoft.com/office/powerpoint/2010/main" val="742960821"/>
+      </p:ext>
+    </p:extLst>
+  </p:cSld>
+  <p:clrMapOvr>
+    <a:masterClrMapping/>
+  </p:clrMapOvr>
+  <mc:AlternateContent xmlns:mc="http://schemas.openxmlformats.org/markup-compatibility/2006" xmlns:p14="http://schemas.microsoft.com/office/powerpoint/2010/main">
+    <mc:Choice Requires="p14">
+      <p:transition spd="med" p14:dur="700">
+        <p:fade/>
+      </p:transition>
+    </mc:Choice>
+    <mc:Fallback xmlns="">
+      <p:transition spd="med">
+        <p:fade/>
+      </p:transition>
+    </mc:Fallback>
+  </mc:AlternateContent>
+</p:sld>
+</file>
+
+<file path=ppt/slides/slide6.xml><?xml version="1.0" encoding="utf-8"?>
+<p:sld xmlns:a="http://schemas.openxmlformats.org/drawingml/2006/main" xmlns:r="http://schemas.openxmlformats.org/officeDocument/2006/relationships" xmlns:p="http://schemas.openxmlformats.org/presentationml/2006/main">
+  <p:cSld>
+    <p:spTree>
+      <p:nvGrpSpPr>
+        <p:cNvPr id="1" name=""/>
+        <p:cNvGrpSpPr/>
+        <p:nvPr/>
+      </p:nvGrpSpPr>
+      <p:grpSpPr>
+        <a:xfrm>
+          <a:off x="0" y="0"/>
+          <a:ext cx="0" cy="0"/>
+          <a:chOff x="0" y="0"/>
+          <a:chExt cx="0" cy="0"/>
+        </a:xfrm>
+      </p:grpSpPr>
+      <p:sp>
+        <p:nvSpPr>
+          <p:cNvPr id="13" name="Rechteck 12">
+            <a:extLst>
+              <a:ext uri="{FF2B5EF4-FFF2-40B4-BE49-F238E27FC236}">
+                <a16:creationId xmlns:a16="http://schemas.microsoft.com/office/drawing/2014/main" id="{039F0CA3-0B6A-4C14-A5C6-6E8BEA475867}"/>
+              </a:ext>
+            </a:extLst>
+          </p:cNvPr>
+          <p:cNvSpPr/>
+          <p:nvPr/>
+        </p:nvSpPr>
+        <p:spPr>
+          <a:xfrm>
+            <a:off x="0" y="-25166"/>
+            <a:ext cx="12192000" cy="550717"/>
+          </a:xfrm>
+          <a:prstGeom prst="rect">
+            <a:avLst/>
+          </a:prstGeom>
+          <a:solidFill>
+            <a:schemeClr val="tx1">
+              <a:alpha val="24000"/>
+            </a:schemeClr>
+          </a:solidFill>
+          <a:ln>
+            <a:noFill/>
+          </a:ln>
+        </p:spPr>
+        <p:style>
+          <a:lnRef idx="2">
+            <a:schemeClr val="accent1">
+              <a:shade val="50000"/>
+            </a:schemeClr>
+          </a:lnRef>
+          <a:fillRef idx="1">
+            <a:schemeClr val="accent1"/>
+          </a:fillRef>
+          <a:effectRef idx="0">
+            <a:schemeClr val="accent1"/>
+          </a:effectRef>
+          <a:fontRef idx="minor">
+            <a:schemeClr val="lt1"/>
+          </a:fontRef>
+        </p:style>
+        <p:txBody>
+          <a:bodyPr rtlCol="0" anchor="ctr"/>
+          <a:lstStyle/>
+          <a:p>
+            <a:pPr algn="ctr"/>
+            <a:endParaRPr lang="de-DE"/>
+          </a:p>
+        </p:txBody>
+      </p:sp>
+      <p:sp>
+        <p:nvSpPr>
+          <p:cNvPr id="2" name="Titel 1">
+            <a:extLst>
+              <a:ext uri="{FF2B5EF4-FFF2-40B4-BE49-F238E27FC236}">
+                <a16:creationId xmlns:a16="http://schemas.microsoft.com/office/drawing/2014/main" id="{EF92486A-E9CE-4616-ACE4-A2CA0CEF5D6C}"/>
+              </a:ext>
+            </a:extLst>
+          </p:cNvPr>
+          <p:cNvSpPr>
+            <a:spLocks noGrp="1"/>
+          </p:cNvSpPr>
+          <p:nvPr>
+            <p:ph type="title"/>
+          </p:nvPr>
+        </p:nvSpPr>
+        <p:spPr>
+          <a:xfrm>
+            <a:off x="83976" y="54134"/>
+            <a:ext cx="12020449" cy="428675"/>
+          </a:xfrm>
+        </p:spPr>
+        <p:txBody>
+          <a:bodyPr>
+            <a:normAutofit fontScale="90000"/>
+          </a:bodyPr>
+          <a:lstStyle/>
+          <a:p>
+            <a:pPr algn="ctr"/>
+            <a:r>
+              <a:rPr lang="de-DE" dirty="0">
+                <a:solidFill>
+                  <a:schemeClr val="bg1"/>
+                </a:solidFill>
+              </a:rPr>
+              <a:t>Maschinensprache</a:t>
+            </a:r>
+          </a:p>
+        </p:txBody>
+      </p:sp>
+      <p:sp>
+        <p:nvSpPr>
+          <p:cNvPr id="3" name="Inhaltsplatzhalter 2">
+            <a:extLst>
+              <a:ext uri="{FF2B5EF4-FFF2-40B4-BE49-F238E27FC236}">
+                <a16:creationId xmlns:a16="http://schemas.microsoft.com/office/drawing/2014/main" id="{610040AA-8153-4DD2-A47D-1A8ECA8D97C3}"/>
+              </a:ext>
+            </a:extLst>
+          </p:cNvPr>
+          <p:cNvSpPr>
+            <a:spLocks noGrp="1"/>
+          </p:cNvSpPr>
+          <p:nvPr>
+            <p:ph idx="1"/>
+          </p:nvPr>
+        </p:nvSpPr>
+        <p:spPr>
+          <a:xfrm>
+            <a:off x="577951" y="953692"/>
+            <a:ext cx="8534400" cy="3615267"/>
+          </a:xfrm>
+        </p:spPr>
+        <p:txBody>
+          <a:bodyPr anchor="t">
+            <a:normAutofit/>
+          </a:bodyPr>
+          <a:lstStyle/>
+          <a:p>
+            <a:pPr>
+              <a:buFont typeface="Arial" panose="05040102010807070707" pitchFamily="18" charset="2"/>
+              <a:buChar char="•"/>
+            </a:pPr>
+            <a:endParaRPr lang="de-DE" sz="2800" dirty="0">
+              <a:solidFill>
+                <a:schemeClr val="tx1"/>
+              </a:solidFill>
+            </a:endParaRPr>
+          </a:p>
+        </p:txBody>
+      </p:sp>
+      <p:sp>
+        <p:nvSpPr>
+          <p:cNvPr id="14" name="Rechteck 13">
+            <a:extLst>
+              <a:ext uri="{FF2B5EF4-FFF2-40B4-BE49-F238E27FC236}">
+                <a16:creationId xmlns:a16="http://schemas.microsoft.com/office/drawing/2014/main" id="{6D5363DC-80F5-4B53-912E-6A982A9BD927}"/>
+              </a:ext>
+            </a:extLst>
+          </p:cNvPr>
+          <p:cNvSpPr/>
+          <p:nvPr/>
+        </p:nvSpPr>
+        <p:spPr>
+          <a:xfrm>
+            <a:off x="0" y="6315672"/>
+            <a:ext cx="12192000" cy="550717"/>
+          </a:xfrm>
+          <a:prstGeom prst="rect">
+            <a:avLst/>
+          </a:prstGeom>
+          <a:solidFill>
+            <a:schemeClr val="tx1">
+              <a:alpha val="24000"/>
+            </a:schemeClr>
+          </a:solidFill>
+          <a:ln>
+            <a:noFill/>
+          </a:ln>
+        </p:spPr>
+        <p:style>
+          <a:lnRef idx="2">
+            <a:schemeClr val="accent1">
+              <a:shade val="50000"/>
+            </a:schemeClr>
+          </a:lnRef>
+          <a:fillRef idx="1">
+            <a:schemeClr val="accent1"/>
+          </a:fillRef>
+          <a:effectRef idx="0">
+            <a:schemeClr val="accent1"/>
+          </a:effectRef>
+          <a:fontRef idx="minor">
+            <a:schemeClr val="lt1"/>
+          </a:fontRef>
+        </p:style>
+        <p:txBody>
+          <a:bodyPr rtlCol="0" anchor="ctr"/>
+          <a:lstStyle/>
+          <a:p>
+            <a:pPr algn="ctr"/>
+            <a:endParaRPr lang="de-DE"/>
+          </a:p>
+        </p:txBody>
+      </p:sp>
+      <p:grpSp>
+        <p:nvGrpSpPr>
+          <p:cNvPr id="15" name="Gruppieren 14">
+            <a:extLst>
+              <a:ext uri="{FF2B5EF4-FFF2-40B4-BE49-F238E27FC236}">
+                <a16:creationId xmlns:a16="http://schemas.microsoft.com/office/drawing/2014/main" id="{BCBCCFDB-78DF-41A8-85C8-3058ED2F9BDD}"/>
+              </a:ext>
+            </a:extLst>
+          </p:cNvPr>
+          <p:cNvGrpSpPr/>
+          <p:nvPr/>
+        </p:nvGrpSpPr>
+        <p:grpSpPr>
+          <a:xfrm>
+            <a:off x="10141402" y="6406363"/>
+            <a:ext cx="1963024" cy="369332"/>
+            <a:chOff x="8891441" y="6406363"/>
+            <a:chExt cx="1963024" cy="369332"/>
+          </a:xfrm>
+        </p:grpSpPr>
+        <p:pic>
+          <p:nvPicPr>
+            <p:cNvPr id="1026" name="Picture 2" descr="Copyright free icon">
+              <a:extLst>
+                <a:ext uri="{FF2B5EF4-FFF2-40B4-BE49-F238E27FC236}">
+                  <a16:creationId xmlns:a16="http://schemas.microsoft.com/office/drawing/2014/main" id="{59CE6A18-1CB2-434B-98E1-4ABDC7650471}"/>
+                </a:ext>
+              </a:extLst>
+            </p:cNvPr>
+            <p:cNvPicPr>
+              <a:picLocks noChangeAspect="1" noChangeArrowheads="1"/>
+            </p:cNvPicPr>
+            <p:nvPr/>
+          </p:nvPicPr>
+          <p:blipFill>
+            <a:blip r:embed="rId2">
+              <a:extLst>
+                <a:ext uri="{28A0092B-C50C-407E-A947-70E740481C1C}">
+                  <a14:useLocalDpi xmlns:a14="http://schemas.microsoft.com/office/drawing/2010/main" val="0"/>
+                </a:ext>
+              </a:extLst>
+            </a:blip>
+            <a:srcRect/>
+            <a:stretch>
+              <a:fillRect/>
+            </a:stretch>
+          </p:blipFill>
+          <p:spPr bwMode="auto">
+            <a:xfrm>
+              <a:off x="8891441" y="6437512"/>
+              <a:ext cx="327171" cy="327171"/>
+            </a:xfrm>
+            <a:prstGeom prst="rect">
+              <a:avLst/>
+            </a:prstGeom>
+            <a:noFill/>
+            <a:extLst>
+              <a:ext uri="{909E8E84-426E-40DD-AFC4-6F175D3DCCD1}">
+                <a14:hiddenFill xmlns:a14="http://schemas.microsoft.com/office/drawing/2010/main">
+                  <a:solidFill>
+                    <a:srgbClr val="FFFFFF"/>
+                  </a:solidFill>
+                </a14:hiddenFill>
+              </a:ext>
+            </a:extLst>
+          </p:spPr>
+        </p:pic>
+        <p:sp>
+          <p:nvSpPr>
+            <p:cNvPr id="4" name="Textfeld 3">
+              <a:extLst>
+                <a:ext uri="{FF2B5EF4-FFF2-40B4-BE49-F238E27FC236}">
+                  <a16:creationId xmlns:a16="http://schemas.microsoft.com/office/drawing/2014/main" id="{7605CF3E-C2A7-470A-941E-0C42BC191DBF}"/>
+                </a:ext>
+              </a:extLst>
+            </p:cNvPr>
+            <p:cNvSpPr txBox="1"/>
+            <p:nvPr/>
+          </p:nvSpPr>
+          <p:spPr>
+            <a:xfrm>
+              <a:off x="9218612" y="6406363"/>
+              <a:ext cx="1635853" cy="369332"/>
+            </a:xfrm>
+            <a:prstGeom prst="rect">
+              <a:avLst/>
+            </a:prstGeom>
+            <a:noFill/>
+          </p:spPr>
+          <p:txBody>
+            <a:bodyPr wrap="square" rtlCol="0">
+              <a:spAutoFit/>
+            </a:bodyPr>
+            <a:lstStyle/>
+            <a:p>
+              <a:r>
+                <a:rPr lang="de-DE">
+                  <a:solidFill>
+                    <a:schemeClr val="bg1"/>
+                  </a:solidFill>
+                </a:rPr>
+                <a:t>Chris Anders</a:t>
+              </a:r>
+            </a:p>
+          </p:txBody>
+        </p:sp>
+      </p:grpSp>
+    </p:spTree>
+    <p:extLst>
+      <p:ext uri="{BB962C8B-B14F-4D97-AF65-F5344CB8AC3E}">
+        <p14:creationId xmlns:p14="http://schemas.microsoft.com/office/powerpoint/2010/main" val="3453127648"/>
+      </p:ext>
+    </p:extLst>
+  </p:cSld>
+  <p:clrMapOvr>
+    <a:masterClrMapping/>
+  </p:clrMapOvr>
+  <mc:AlternateContent xmlns:mc="http://schemas.openxmlformats.org/markup-compatibility/2006" xmlns:p14="http://schemas.microsoft.com/office/powerpoint/2010/main">
+    <mc:Choice Requires="p14">
+      <p:transition spd="med" p14:dur="700">
+        <p:fade/>
+      </p:transition>
+    </mc:Choice>
+    <mc:Fallback xmlns="">
+      <p:transition spd="med">
+        <p:fade/>
+      </p:transition>
+    </mc:Fallback>
+  </mc:AlternateContent>
+</p:sld>
+</file>
+
+<file path=ppt/slides/slide7.xml><?xml version="1.0" encoding="utf-8"?>
+<p:sld xmlns:a="http://schemas.openxmlformats.org/drawingml/2006/main" xmlns:r="http://schemas.openxmlformats.org/officeDocument/2006/relationships" xmlns:p="http://schemas.openxmlformats.org/presentationml/2006/main">
+  <p:cSld>
+    <p:spTree>
+      <p:nvGrpSpPr>
+        <p:cNvPr id="1" name=""/>
+        <p:cNvGrpSpPr/>
+        <p:nvPr/>
+      </p:nvGrpSpPr>
+      <p:grpSpPr>
+        <a:xfrm>
+          <a:off x="0" y="0"/>
+          <a:ext cx="0" cy="0"/>
+          <a:chOff x="0" y="0"/>
+          <a:chExt cx="0" cy="0"/>
+        </a:xfrm>
+      </p:grpSpPr>
+      <p:sp>
+        <p:nvSpPr>
+          <p:cNvPr id="13" name="Rechteck 12">
+            <a:extLst>
+              <a:ext uri="{FF2B5EF4-FFF2-40B4-BE49-F238E27FC236}">
+                <a16:creationId xmlns:a16="http://schemas.microsoft.com/office/drawing/2014/main" id="{039F0CA3-0B6A-4C14-A5C6-6E8BEA475867}"/>
+              </a:ext>
+            </a:extLst>
+          </p:cNvPr>
+          <p:cNvSpPr/>
+          <p:nvPr/>
+        </p:nvSpPr>
+        <p:spPr>
+          <a:xfrm>
+            <a:off x="0" y="-25166"/>
+            <a:ext cx="12192000" cy="550717"/>
+          </a:xfrm>
+          <a:prstGeom prst="rect">
+            <a:avLst/>
+          </a:prstGeom>
+          <a:solidFill>
+            <a:schemeClr val="tx1">
+              <a:alpha val="24000"/>
+            </a:schemeClr>
+          </a:solidFill>
+          <a:ln>
+            <a:noFill/>
+          </a:ln>
+        </p:spPr>
+        <p:style>
+          <a:lnRef idx="2">
+            <a:schemeClr val="accent1">
+              <a:shade val="50000"/>
+            </a:schemeClr>
+          </a:lnRef>
+          <a:fillRef idx="1">
+            <a:schemeClr val="accent1"/>
+          </a:fillRef>
+          <a:effectRef idx="0">
+            <a:schemeClr val="accent1"/>
+          </a:effectRef>
+          <a:fontRef idx="minor">
+            <a:schemeClr val="lt1"/>
+          </a:fontRef>
+        </p:style>
+        <p:txBody>
+          <a:bodyPr rtlCol="0" anchor="ctr"/>
+          <a:lstStyle/>
+          <a:p>
+            <a:pPr algn="ctr"/>
+            <a:endParaRPr lang="de-DE"/>
+          </a:p>
+        </p:txBody>
+      </p:sp>
+      <p:sp>
+        <p:nvSpPr>
+          <p:cNvPr id="2" name="Titel 1">
+            <a:extLst>
+              <a:ext uri="{FF2B5EF4-FFF2-40B4-BE49-F238E27FC236}">
+                <a16:creationId xmlns:a16="http://schemas.microsoft.com/office/drawing/2014/main" id="{EF92486A-E9CE-4616-ACE4-A2CA0CEF5D6C}"/>
+              </a:ext>
+            </a:extLst>
+          </p:cNvPr>
+          <p:cNvSpPr>
+            <a:spLocks noGrp="1"/>
+          </p:cNvSpPr>
+          <p:nvPr>
+            <p:ph type="title"/>
+          </p:nvPr>
+        </p:nvSpPr>
+        <p:spPr>
+          <a:xfrm>
+            <a:off x="83976" y="54134"/>
+            <a:ext cx="12020449" cy="428675"/>
+          </a:xfrm>
+        </p:spPr>
+        <p:txBody>
+          <a:bodyPr>
+            <a:normAutofit fontScale="90000"/>
+          </a:bodyPr>
+          <a:lstStyle/>
+          <a:p>
+            <a:pPr algn="ctr"/>
+            <a:r>
+              <a:rPr lang="de-DE" dirty="0">
+                <a:solidFill>
+                  <a:schemeClr val="bg1"/>
+                </a:solidFill>
+              </a:rPr>
+              <a:t>Höhere Programmiersprachen</a:t>
+            </a:r>
+          </a:p>
+        </p:txBody>
+      </p:sp>
+      <p:sp>
+        <p:nvSpPr>
+          <p:cNvPr id="3" name="Inhaltsplatzhalter 2">
+            <a:extLst>
+              <a:ext uri="{FF2B5EF4-FFF2-40B4-BE49-F238E27FC236}">
+                <a16:creationId xmlns:a16="http://schemas.microsoft.com/office/drawing/2014/main" id="{610040AA-8153-4DD2-A47D-1A8ECA8D97C3}"/>
+              </a:ext>
+            </a:extLst>
+          </p:cNvPr>
+          <p:cNvSpPr>
+            <a:spLocks noGrp="1"/>
+          </p:cNvSpPr>
+          <p:nvPr>
+            <p:ph idx="1"/>
+          </p:nvPr>
+        </p:nvSpPr>
+        <p:spPr>
+          <a:xfrm>
+            <a:off x="577951" y="953692"/>
+            <a:ext cx="8534400" cy="3615267"/>
+          </a:xfrm>
+        </p:spPr>
+        <p:txBody>
+          <a:bodyPr anchor="t">
+            <a:normAutofit/>
+          </a:bodyPr>
+          <a:lstStyle/>
+          <a:p>
+            <a:pPr>
+              <a:buFont typeface="Arial" panose="05040102010807070707" pitchFamily="18" charset="2"/>
+              <a:buChar char="•"/>
+            </a:pPr>
+            <a:endParaRPr lang="de-DE" sz="2800" dirty="0">
+              <a:solidFill>
+                <a:schemeClr val="tx1"/>
+              </a:solidFill>
+            </a:endParaRPr>
+          </a:p>
+        </p:txBody>
+      </p:sp>
+      <p:sp>
+        <p:nvSpPr>
+          <p:cNvPr id="14" name="Rechteck 13">
+            <a:extLst>
+              <a:ext uri="{FF2B5EF4-FFF2-40B4-BE49-F238E27FC236}">
+                <a16:creationId xmlns:a16="http://schemas.microsoft.com/office/drawing/2014/main" id="{6D5363DC-80F5-4B53-912E-6A982A9BD927}"/>
+              </a:ext>
+            </a:extLst>
+          </p:cNvPr>
+          <p:cNvSpPr/>
+          <p:nvPr/>
+        </p:nvSpPr>
+        <p:spPr>
+          <a:xfrm>
+            <a:off x="0" y="6315672"/>
+            <a:ext cx="12192000" cy="550717"/>
+          </a:xfrm>
+          <a:prstGeom prst="rect">
+            <a:avLst/>
+          </a:prstGeom>
+          <a:solidFill>
+            <a:schemeClr val="tx1">
+              <a:alpha val="24000"/>
+            </a:schemeClr>
+          </a:solidFill>
+          <a:ln>
+            <a:noFill/>
+          </a:ln>
+        </p:spPr>
+        <p:style>
+          <a:lnRef idx="2">
+            <a:schemeClr val="accent1">
+              <a:shade val="50000"/>
+            </a:schemeClr>
+          </a:lnRef>
+          <a:fillRef idx="1">
+            <a:schemeClr val="accent1"/>
+          </a:fillRef>
+          <a:effectRef idx="0">
+            <a:schemeClr val="accent1"/>
+          </a:effectRef>
+          <a:fontRef idx="minor">
+            <a:schemeClr val="lt1"/>
+          </a:fontRef>
+        </p:style>
+        <p:txBody>
+          <a:bodyPr rtlCol="0" anchor="ctr"/>
+          <a:lstStyle/>
+          <a:p>
+            <a:pPr algn="ctr"/>
+            <a:endParaRPr lang="de-DE"/>
+          </a:p>
+        </p:txBody>
+      </p:sp>
+      <p:grpSp>
+        <p:nvGrpSpPr>
+          <p:cNvPr id="15" name="Gruppieren 14">
+            <a:extLst>
+              <a:ext uri="{FF2B5EF4-FFF2-40B4-BE49-F238E27FC236}">
+                <a16:creationId xmlns:a16="http://schemas.microsoft.com/office/drawing/2014/main" id="{BCBCCFDB-78DF-41A8-85C8-3058ED2F9BDD}"/>
+              </a:ext>
+            </a:extLst>
+          </p:cNvPr>
+          <p:cNvGrpSpPr/>
+          <p:nvPr/>
+        </p:nvGrpSpPr>
+        <p:grpSpPr>
+          <a:xfrm>
+            <a:off x="10141402" y="6406363"/>
+            <a:ext cx="1963024" cy="369332"/>
+            <a:chOff x="8891441" y="6406363"/>
+            <a:chExt cx="1963024" cy="369332"/>
+          </a:xfrm>
+        </p:grpSpPr>
+        <p:pic>
+          <p:nvPicPr>
+            <p:cNvPr id="1026" name="Picture 2" descr="Copyright free icon">
+              <a:extLst>
+                <a:ext uri="{FF2B5EF4-FFF2-40B4-BE49-F238E27FC236}">
+                  <a16:creationId xmlns:a16="http://schemas.microsoft.com/office/drawing/2014/main" id="{59CE6A18-1CB2-434B-98E1-4ABDC7650471}"/>
+                </a:ext>
+              </a:extLst>
+            </p:cNvPr>
+            <p:cNvPicPr>
+              <a:picLocks noChangeAspect="1" noChangeArrowheads="1"/>
+            </p:cNvPicPr>
+            <p:nvPr/>
+          </p:nvPicPr>
+          <p:blipFill>
+            <a:blip r:embed="rId2">
+              <a:extLst>
+                <a:ext uri="{28A0092B-C50C-407E-A947-70E740481C1C}">
+                  <a14:useLocalDpi xmlns:a14="http://schemas.microsoft.com/office/drawing/2010/main" val="0"/>
+                </a:ext>
+              </a:extLst>
+            </a:blip>
+            <a:srcRect/>
+            <a:stretch>
+              <a:fillRect/>
+            </a:stretch>
+          </p:blipFill>
+          <p:spPr bwMode="auto">
+            <a:xfrm>
+              <a:off x="8891441" y="6437512"/>
+              <a:ext cx="327171" cy="327171"/>
+            </a:xfrm>
+            <a:prstGeom prst="rect">
+              <a:avLst/>
+            </a:prstGeom>
+            <a:noFill/>
+            <a:extLst>
+              <a:ext uri="{909E8E84-426E-40DD-AFC4-6F175D3DCCD1}">
+                <a14:hiddenFill xmlns:a14="http://schemas.microsoft.com/office/drawing/2010/main">
+                  <a:solidFill>
+                    <a:srgbClr val="FFFFFF"/>
+                  </a:solidFill>
+                </a14:hiddenFill>
+              </a:ext>
+            </a:extLst>
+          </p:spPr>
+        </p:pic>
+        <p:sp>
+          <p:nvSpPr>
+            <p:cNvPr id="4" name="Textfeld 3">
+              <a:extLst>
+                <a:ext uri="{FF2B5EF4-FFF2-40B4-BE49-F238E27FC236}">
+                  <a16:creationId xmlns:a16="http://schemas.microsoft.com/office/drawing/2014/main" id="{7605CF3E-C2A7-470A-941E-0C42BC191DBF}"/>
+                </a:ext>
+              </a:extLst>
+            </p:cNvPr>
+            <p:cNvSpPr txBox="1"/>
+            <p:nvPr/>
+          </p:nvSpPr>
+          <p:spPr>
+            <a:xfrm>
+              <a:off x="9218612" y="6406363"/>
+              <a:ext cx="1635853" cy="369332"/>
+            </a:xfrm>
+            <a:prstGeom prst="rect">
+              <a:avLst/>
+            </a:prstGeom>
+            <a:noFill/>
+          </p:spPr>
+          <p:txBody>
+            <a:bodyPr wrap="square" rtlCol="0">
+              <a:spAutoFit/>
+            </a:bodyPr>
+            <a:lstStyle/>
+            <a:p>
+              <a:r>
+                <a:rPr lang="de-DE">
+                  <a:solidFill>
+                    <a:schemeClr val="bg1"/>
+                  </a:solidFill>
+                </a:rPr>
+                <a:t>Chris Anders</a:t>
+              </a:r>
+            </a:p>
+          </p:txBody>
+        </p:sp>
+      </p:grpSp>
+    </p:spTree>
+    <p:extLst>
+      <p:ext uri="{BB962C8B-B14F-4D97-AF65-F5344CB8AC3E}">
+        <p14:creationId xmlns:p14="http://schemas.microsoft.com/office/powerpoint/2010/main" val="2290214905"/>
+      </p:ext>
+    </p:extLst>
+  </p:cSld>
+  <p:clrMapOvr>
+    <a:masterClrMapping/>
+  </p:clrMapOvr>
+  <mc:AlternateContent xmlns:mc="http://schemas.openxmlformats.org/markup-compatibility/2006" xmlns:p14="http://schemas.microsoft.com/office/powerpoint/2010/main">
+    <mc:Choice Requires="p14">
+      <p:transition spd="med" p14:dur="700">
+        <p:fade/>
+      </p:transition>
+    </mc:Choice>
+    <mc:Fallback xmlns="">
+      <p:transition spd="med">
+        <p:fade/>
+      </p:transition>
+    </mc:Fallback>
+  </mc:AlternateContent>
+</p:sld>
+</file>
+
+<file path=ppt/slides/slide8.xml><?xml version="1.0" encoding="utf-8"?>
+<p:sld xmlns:a="http://schemas.openxmlformats.org/drawingml/2006/main" xmlns:r="http://schemas.openxmlformats.org/officeDocument/2006/relationships" xmlns:p="http://schemas.openxmlformats.org/presentationml/2006/main">
+  <p:cSld>
+    <p:spTree>
+      <p:nvGrpSpPr>
+        <p:cNvPr id="1" name=""/>
+        <p:cNvGrpSpPr/>
+        <p:nvPr/>
+      </p:nvGrpSpPr>
+      <p:grpSpPr>
+        <a:xfrm>
+          <a:off x="0" y="0"/>
+          <a:ext cx="0" cy="0"/>
+          <a:chOff x="0" y="0"/>
+          <a:chExt cx="0" cy="0"/>
+        </a:xfrm>
+      </p:grpSpPr>
+      <p:sp>
+        <p:nvSpPr>
+          <p:cNvPr id="13" name="Rechteck 12">
+            <a:extLst>
+              <a:ext uri="{FF2B5EF4-FFF2-40B4-BE49-F238E27FC236}">
+                <a16:creationId xmlns:a16="http://schemas.microsoft.com/office/drawing/2014/main" id="{039F0CA3-0B6A-4C14-A5C6-6E8BEA475867}"/>
+              </a:ext>
+            </a:extLst>
+          </p:cNvPr>
+          <p:cNvSpPr/>
+          <p:nvPr/>
+        </p:nvSpPr>
+        <p:spPr>
+          <a:xfrm>
+            <a:off x="0" y="-25166"/>
+            <a:ext cx="12192000" cy="550717"/>
+          </a:xfrm>
+          <a:prstGeom prst="rect">
+            <a:avLst/>
+          </a:prstGeom>
+          <a:solidFill>
+            <a:schemeClr val="tx1">
+              <a:alpha val="24000"/>
+            </a:schemeClr>
+          </a:solidFill>
+          <a:ln>
+            <a:noFill/>
+          </a:ln>
+        </p:spPr>
+        <p:style>
+          <a:lnRef idx="2">
+            <a:schemeClr val="accent1">
+              <a:shade val="50000"/>
+            </a:schemeClr>
+          </a:lnRef>
+          <a:fillRef idx="1">
+            <a:schemeClr val="accent1"/>
+          </a:fillRef>
+          <a:effectRef idx="0">
+            <a:schemeClr val="accent1"/>
+          </a:effectRef>
+          <a:fontRef idx="minor">
+            <a:schemeClr val="lt1"/>
+          </a:fontRef>
+        </p:style>
+        <p:txBody>
+          <a:bodyPr rtlCol="0" anchor="ctr"/>
+          <a:lstStyle/>
+          <a:p>
+            <a:pPr algn="ctr"/>
+            <a:endParaRPr lang="de-DE"/>
+          </a:p>
+        </p:txBody>
+      </p:sp>
+      <p:sp>
+        <p:nvSpPr>
+          <p:cNvPr id="2" name="Titel 1">
+            <a:extLst>
+              <a:ext uri="{FF2B5EF4-FFF2-40B4-BE49-F238E27FC236}">
+                <a16:creationId xmlns:a16="http://schemas.microsoft.com/office/drawing/2014/main" id="{EF92486A-E9CE-4616-ACE4-A2CA0CEF5D6C}"/>
+              </a:ext>
+            </a:extLst>
+          </p:cNvPr>
+          <p:cNvSpPr>
+            <a:spLocks noGrp="1"/>
+          </p:cNvSpPr>
+          <p:nvPr>
+            <p:ph type="title"/>
+          </p:nvPr>
+        </p:nvSpPr>
+        <p:spPr>
+          <a:xfrm>
+            <a:off x="83976" y="54134"/>
+            <a:ext cx="12020449" cy="428675"/>
+          </a:xfrm>
+        </p:spPr>
+        <p:txBody>
+          <a:bodyPr>
+            <a:normAutofit fontScale="90000"/>
+          </a:bodyPr>
+          <a:lstStyle/>
+          <a:p>
+            <a:pPr algn="ctr"/>
+            <a:r>
+              <a:rPr lang="de-DE" dirty="0">
+                <a:solidFill>
+                  <a:schemeClr val="bg1"/>
+                </a:solidFill>
+              </a:rPr>
+              <a:t>Fazit</a:t>
+            </a:r>
+          </a:p>
+        </p:txBody>
+      </p:sp>
+      <p:sp>
+        <p:nvSpPr>
+          <p:cNvPr id="3" name="Inhaltsplatzhalter 2">
+            <a:extLst>
+              <a:ext uri="{FF2B5EF4-FFF2-40B4-BE49-F238E27FC236}">
+                <a16:creationId xmlns:a16="http://schemas.microsoft.com/office/drawing/2014/main" id="{610040AA-8153-4DD2-A47D-1A8ECA8D97C3}"/>
+              </a:ext>
+            </a:extLst>
+          </p:cNvPr>
+          <p:cNvSpPr>
+            <a:spLocks noGrp="1"/>
+          </p:cNvSpPr>
+          <p:nvPr>
+            <p:ph idx="1"/>
+          </p:nvPr>
+        </p:nvSpPr>
+        <p:spPr>
+          <a:xfrm>
+            <a:off x="577951" y="953692"/>
+            <a:ext cx="8534400" cy="3615267"/>
+          </a:xfrm>
+        </p:spPr>
+        <p:txBody>
+          <a:bodyPr anchor="t">
+            <a:normAutofit/>
+          </a:bodyPr>
+          <a:lstStyle/>
+          <a:p>
+            <a:pPr>
+              <a:buFont typeface="Arial" panose="05040102010807070707" pitchFamily="18" charset="2"/>
+              <a:buChar char="•"/>
+            </a:pPr>
+            <a:endParaRPr lang="de-DE" sz="2800" dirty="0">
+              <a:solidFill>
+                <a:schemeClr val="tx1"/>
+              </a:solidFill>
+            </a:endParaRPr>
+          </a:p>
+        </p:txBody>
+      </p:sp>
+      <p:sp>
+        <p:nvSpPr>
+          <p:cNvPr id="14" name="Rechteck 13">
+            <a:extLst>
+              <a:ext uri="{FF2B5EF4-FFF2-40B4-BE49-F238E27FC236}">
+                <a16:creationId xmlns:a16="http://schemas.microsoft.com/office/drawing/2014/main" id="{6D5363DC-80F5-4B53-912E-6A982A9BD927}"/>
+              </a:ext>
+            </a:extLst>
+          </p:cNvPr>
+          <p:cNvSpPr/>
+          <p:nvPr/>
+        </p:nvSpPr>
+        <p:spPr>
+          <a:xfrm>
+            <a:off x="0" y="6315672"/>
+            <a:ext cx="12192000" cy="550717"/>
+          </a:xfrm>
+          <a:prstGeom prst="rect">
+            <a:avLst/>
+          </a:prstGeom>
+          <a:solidFill>
+            <a:schemeClr val="tx1">
+              <a:alpha val="24000"/>
+            </a:schemeClr>
+          </a:solidFill>
+          <a:ln>
+            <a:noFill/>
+          </a:ln>
+        </p:spPr>
+        <p:style>
+          <a:lnRef idx="2">
+            <a:schemeClr val="accent1">
+              <a:shade val="50000"/>
+            </a:schemeClr>
+          </a:lnRef>
+          <a:fillRef idx="1">
+            <a:schemeClr val="accent1"/>
+          </a:fillRef>
+          <a:effectRef idx="0">
+            <a:schemeClr val="accent1"/>
+          </a:effectRef>
+          <a:fontRef idx="minor">
+            <a:schemeClr val="lt1"/>
+          </a:fontRef>
+        </p:style>
+        <p:txBody>
+          <a:bodyPr rtlCol="0" anchor="ctr"/>
+          <a:lstStyle/>
+          <a:p>
+            <a:pPr algn="ctr"/>
+            <a:endParaRPr lang="de-DE"/>
+          </a:p>
+        </p:txBody>
+      </p:sp>
+      <p:grpSp>
+        <p:nvGrpSpPr>
+          <p:cNvPr id="15" name="Gruppieren 14">
+            <a:extLst>
+              <a:ext uri="{FF2B5EF4-FFF2-40B4-BE49-F238E27FC236}">
+                <a16:creationId xmlns:a16="http://schemas.microsoft.com/office/drawing/2014/main" id="{BCBCCFDB-78DF-41A8-85C8-3058ED2F9BDD}"/>
+              </a:ext>
+            </a:extLst>
+          </p:cNvPr>
+          <p:cNvGrpSpPr/>
+          <p:nvPr/>
+        </p:nvGrpSpPr>
+        <p:grpSpPr>
+          <a:xfrm>
+            <a:off x="10141402" y="6406363"/>
+            <a:ext cx="1963024" cy="369332"/>
+            <a:chOff x="8891441" y="6406363"/>
+            <a:chExt cx="1963024" cy="369332"/>
+          </a:xfrm>
+        </p:grpSpPr>
+        <p:pic>
+          <p:nvPicPr>
+            <p:cNvPr id="1026" name="Picture 2" descr="Copyright free icon">
+              <a:extLst>
+                <a:ext uri="{FF2B5EF4-FFF2-40B4-BE49-F238E27FC236}">
+                  <a16:creationId xmlns:a16="http://schemas.microsoft.com/office/drawing/2014/main" id="{59CE6A18-1CB2-434B-98E1-4ABDC7650471}"/>
+                </a:ext>
+              </a:extLst>
+            </p:cNvPr>
+            <p:cNvPicPr>
+              <a:picLocks noChangeAspect="1" noChangeArrowheads="1"/>
+            </p:cNvPicPr>
+            <p:nvPr/>
+          </p:nvPicPr>
+          <p:blipFill>
+            <a:blip r:embed="rId2">
+              <a:extLst>
+                <a:ext uri="{28A0092B-C50C-407E-A947-70E740481C1C}">
+                  <a14:useLocalDpi xmlns:a14="http://schemas.microsoft.com/office/drawing/2010/main" val="0"/>
+                </a:ext>
+              </a:extLst>
+            </a:blip>
+            <a:srcRect/>
+            <a:stretch>
+              <a:fillRect/>
+            </a:stretch>
+          </p:blipFill>
+          <p:spPr bwMode="auto">
+            <a:xfrm>
+              <a:off x="8891441" y="6437512"/>
+              <a:ext cx="327171" cy="327171"/>
+            </a:xfrm>
+            <a:prstGeom prst="rect">
+              <a:avLst/>
+            </a:prstGeom>
+            <a:noFill/>
+            <a:extLst>
+              <a:ext uri="{909E8E84-426E-40DD-AFC4-6F175D3DCCD1}">
+                <a14:hiddenFill xmlns:a14="http://schemas.microsoft.com/office/drawing/2010/main">
+                  <a:solidFill>
+                    <a:srgbClr val="FFFFFF"/>
+                  </a:solidFill>
+                </a14:hiddenFill>
+              </a:ext>
+            </a:extLst>
+          </p:spPr>
+        </p:pic>
+        <p:sp>
+          <p:nvSpPr>
+            <p:cNvPr id="4" name="Textfeld 3">
+              <a:extLst>
+                <a:ext uri="{FF2B5EF4-FFF2-40B4-BE49-F238E27FC236}">
+                  <a16:creationId xmlns:a16="http://schemas.microsoft.com/office/drawing/2014/main" id="{7605CF3E-C2A7-470A-941E-0C42BC191DBF}"/>
+                </a:ext>
+              </a:extLst>
+            </p:cNvPr>
+            <p:cNvSpPr txBox="1"/>
+            <p:nvPr/>
+          </p:nvSpPr>
+          <p:spPr>
+            <a:xfrm>
+              <a:off x="9218612" y="6406363"/>
+              <a:ext cx="1635853" cy="369332"/>
+            </a:xfrm>
+            <a:prstGeom prst="rect">
+              <a:avLst/>
+            </a:prstGeom>
+            <a:noFill/>
+          </p:spPr>
+          <p:txBody>
+            <a:bodyPr wrap="square" rtlCol="0">
+              <a:spAutoFit/>
+            </a:bodyPr>
+            <a:lstStyle/>
+            <a:p>
+              <a:r>
+                <a:rPr lang="de-DE">
+                  <a:solidFill>
+                    <a:schemeClr val="bg1"/>
+                  </a:solidFill>
+                </a:rPr>
+                <a:t>Chris Anders</a:t>
+              </a:r>
+            </a:p>
+          </p:txBody>
+        </p:sp>
+      </p:grpSp>
+    </p:spTree>
+    <p:extLst>
+      <p:ext uri="{BB962C8B-B14F-4D97-AF65-F5344CB8AC3E}">
+        <p14:creationId xmlns:p14="http://schemas.microsoft.com/office/powerpoint/2010/main" val="888796851"/>
+      </p:ext>
+    </p:extLst>
+  </p:cSld>
+  <p:clrMapOvr>
+    <a:masterClrMapping/>
+  </p:clrMapOvr>
+  <mc:AlternateContent xmlns:mc="http://schemas.openxmlformats.org/markup-compatibility/2006" xmlns:p14="http://schemas.microsoft.com/office/powerpoint/2010/main">
+    <mc:Choice Requires="p14">
+      <p:transition spd="med" p14:dur="700">
+        <p:fade/>
+      </p:transition>
+    </mc:Choice>
+    <mc:Fallback xmlns="">
+      <p:transition spd="med">
+        <p:fade/>
+      </p:transition>
+    </mc:Fallback>
+  </mc:AlternateContent>
+</p:sld>
+</file>
+
+<file path=ppt/slides/slide9.xml><?xml version="1.0" encoding="utf-8"?>
+<p:sld xmlns:a="http://schemas.openxmlformats.org/drawingml/2006/main" xmlns:r="http://schemas.openxmlformats.org/officeDocument/2006/relationships" xmlns:p="http://schemas.openxmlformats.org/presentationml/2006/main">
+  <p:cSld>
+    <p:spTree>
+      <p:nvGrpSpPr>
+        <p:cNvPr id="1" name=""/>
+        <p:cNvGrpSpPr/>
+        <p:nvPr/>
+      </p:nvGrpSpPr>
+      <p:grpSpPr>
+        <a:xfrm>
+          <a:off x="0" y="0"/>
+          <a:ext cx="0" cy="0"/>
+          <a:chOff x="0" y="0"/>
+          <a:chExt cx="0" cy="0"/>
+        </a:xfrm>
+      </p:grpSpPr>
+      <p:sp>
+        <p:nvSpPr>
           <p:cNvPr id="3" name="Inhaltsplatzhalter 2">
             <a:extLst>
               <a:ext uri="{FF2B5EF4-FFF2-40B4-BE49-F238E27FC236}">
@@ -6487,76 +8873,6 @@
     <p:extLst>
       <p:ext uri="{BB962C8B-B14F-4D97-AF65-F5344CB8AC3E}">
         <p14:creationId xmlns:p14="http://schemas.microsoft.com/office/powerpoint/2010/main" val="8858244"/>
-      </p:ext>
-    </p:extLst>
-  </p:cSld>
-  <p:clrMapOvr>
-    <a:masterClrMapping/>
-  </p:clrMapOvr>
-</p:sld>
-</file>
-
-<file path=ppt/slides/slide5.xml><?xml version="1.0" encoding="utf-8"?>
-<p:sld xmlns:a="http://schemas.openxmlformats.org/drawingml/2006/main" xmlns:r="http://schemas.openxmlformats.org/officeDocument/2006/relationships" xmlns:p="http://schemas.openxmlformats.org/presentationml/2006/main">
-  <p:cSld>
-    <p:spTree>
-      <p:nvGrpSpPr>
-        <p:cNvPr id="1" name=""/>
-        <p:cNvGrpSpPr/>
-        <p:nvPr/>
-      </p:nvGrpSpPr>
-      <p:grpSpPr>
-        <a:xfrm>
-          <a:off x="0" y="0"/>
-          <a:ext cx="0" cy="0"/>
-          <a:chOff x="0" y="0"/>
-          <a:chExt cx="0" cy="0"/>
-        </a:xfrm>
-      </p:grpSpPr>
-      <p:sp>
-        <p:nvSpPr>
-          <p:cNvPr id="3" name="Inhaltsplatzhalter 2">
-            <a:extLst>
-              <a:ext uri="{FF2B5EF4-FFF2-40B4-BE49-F238E27FC236}">
-                <a16:creationId xmlns:a16="http://schemas.microsoft.com/office/drawing/2014/main" id="{03FD3E67-263C-431C-8923-3839F14F17A8}"/>
-              </a:ext>
-            </a:extLst>
-          </p:cNvPr>
-          <p:cNvSpPr>
-            <a:spLocks noGrp="1"/>
-          </p:cNvSpPr>
-          <p:nvPr>
-            <p:ph idx="1"/>
-          </p:nvPr>
-        </p:nvSpPr>
-        <p:spPr>
-          <a:xfrm>
-            <a:off x="684212" y="1959015"/>
-            <a:ext cx="10448082" cy="2733233"/>
-          </a:xfrm>
-        </p:spPr>
-        <p:txBody>
-          <a:bodyPr/>
-          <a:lstStyle/>
-          <a:p>
-            <a:pPr marL="0" indent="0">
-              <a:buNone/>
-            </a:pPr>
-            <a:r>
-              <a:rPr lang="de-DE" sz="4400" dirty="0">
-                <a:solidFill>
-                  <a:schemeClr val="tx1"/>
-                </a:solidFill>
-              </a:rPr>
-              <a:t>Vielen Dank für eure Aufmerksamkeit</a:t>
-            </a:r>
-          </a:p>
-        </p:txBody>
-      </p:sp>
-    </p:spTree>
-    <p:extLst>
-      <p:ext uri="{BB962C8B-B14F-4D97-AF65-F5344CB8AC3E}">
-        <p14:creationId xmlns:p14="http://schemas.microsoft.com/office/powerpoint/2010/main" val="3399972400"/>
       </p:ext>
     </p:extLst>
   </p:cSld>

--- a/Präsentation_Projektarbeit.pptx
+++ b/Präsentation_Projektarbeit.pptx
@@ -5,7 +5,7 @@
     <p:sldMasterId id="2147483648" r:id="rId1"/>
   </p:sldMasterIdLst>
   <p:notesMasterIdLst>
-    <p:notesMasterId r:id="rId12"/>
+    <p:notesMasterId r:id="rId13"/>
   </p:notesMasterIdLst>
   <p:sldIdLst>
     <p:sldId id="257" r:id="rId2"/>
@@ -15,9 +15,10 @@
     <p:sldId id="277" r:id="rId6"/>
     <p:sldId id="278" r:id="rId7"/>
     <p:sldId id="279" r:id="rId8"/>
-    <p:sldId id="280" r:id="rId9"/>
-    <p:sldId id="274" r:id="rId10"/>
-    <p:sldId id="275" r:id="rId11"/>
+    <p:sldId id="281" r:id="rId9"/>
+    <p:sldId id="280" r:id="rId10"/>
+    <p:sldId id="274" r:id="rId11"/>
+    <p:sldId id="275" r:id="rId12"/>
   </p:sldIdLst>
   <p:sldSz cx="12192000" cy="6858000"/>
   <p:notesSz cx="6858000" cy="9144000"/>
@@ -5914,6 +5915,9 @@
                           <m:chr m:val="∑"/>
                           <m:ctrlPr>
                             <a:rPr lang="pt-BR" sz="4000" i="1" smtClean="0">
+                              <a:solidFill>
+                                <a:schemeClr val="bg1"/>
+                              </a:solidFill>
                               <a:latin typeface="Cambria Math" panose="02040503050406030204" pitchFamily="18" charset="0"/>
                             </a:rPr>
                           </m:ctrlPr>
@@ -5921,12 +5925,18 @@
                         <m:sub>
                           <m:r>
                             <a:rPr lang="pt-BR" sz="4000" i="1" smtClean="0">
+                              <a:solidFill>
+                                <a:schemeClr val="bg1"/>
+                              </a:solidFill>
                               <a:latin typeface="Cambria Math" panose="02040503050406030204" pitchFamily="18" charset="0"/>
                             </a:rPr>
                             <m:t>𝑘</m:t>
                           </m:r>
                           <m:r>
                             <a:rPr lang="pt-BR" sz="4000" i="1" smtClean="0">
+                              <a:solidFill>
+                                <a:schemeClr val="bg1"/>
+                              </a:solidFill>
                               <a:latin typeface="Cambria Math" panose="02040503050406030204" pitchFamily="18" charset="0"/>
                             </a:rPr>
                             <m:t>=0</m:t>
@@ -5935,6 +5945,9 @@
                         <m:sup>
                           <m:r>
                             <a:rPr lang="pt-BR" sz="4000" i="1" smtClean="0">
+                              <a:solidFill>
+                                <a:schemeClr val="bg1"/>
+                              </a:solidFill>
                               <a:latin typeface="Cambria Math" panose="02040503050406030204" pitchFamily="18" charset="0"/>
                             </a:rPr>
                             <m:t>𝑛</m:t>
@@ -5945,6 +5958,9 @@
                             <m:dPr>
                               <m:ctrlPr>
                                 <a:rPr lang="pt-BR" sz="4000" i="1" smtClean="0">
+                                  <a:solidFill>
+                                    <a:schemeClr val="bg1"/>
+                                  </a:solidFill>
                                   <a:latin typeface="Cambria Math" panose="02040503050406030204" pitchFamily="18" charset="0"/>
                                 </a:rPr>
                               </m:ctrlPr>
@@ -5955,6 +5971,9 @@
                                   <m:type m:val="noBar"/>
                                   <m:ctrlPr>
                                     <a:rPr lang="pt-BR" sz="4000" i="1" smtClean="0">
+                                      <a:solidFill>
+                                        <a:schemeClr val="bg1"/>
+                                      </a:solidFill>
                                       <a:latin typeface="Cambria Math" panose="02040503050406030204" pitchFamily="18" charset="0"/>
                                     </a:rPr>
                                   </m:ctrlPr>
@@ -5962,6 +5981,9 @@
                                 <m:num>
                                   <m:r>
                                     <a:rPr lang="pt-BR" sz="4000" i="1" smtClean="0">
+                                      <a:solidFill>
+                                        <a:schemeClr val="bg1"/>
+                                      </a:solidFill>
                                       <a:latin typeface="Cambria Math" panose="02040503050406030204" pitchFamily="18" charset="0"/>
                                     </a:rPr>
                                     <m:t>𝑛</m:t>
@@ -5970,6 +5992,9 @@
                                 <m:den>
                                   <m:r>
                                     <a:rPr lang="pt-BR" sz="4000" i="1" smtClean="0">
+                                      <a:solidFill>
+                                        <a:schemeClr val="bg1"/>
+                                      </a:solidFill>
                                       <a:latin typeface="Cambria Math" panose="02040503050406030204" pitchFamily="18" charset="0"/>
                                     </a:rPr>
                                     <m:t>𝑘</m:t>
@@ -5983,7 +6008,11 @@
                     </m:oMath>
                   </m:oMathPara>
                 </a14:m>
-                <a:endParaRPr lang="de-DE" sz="4000" dirty="0"/>
+                <a:endParaRPr lang="de-DE" sz="4000" dirty="0">
+                  <a:solidFill>
+                    <a:schemeClr val="bg1"/>
+                  </a:solidFill>
+                </a:endParaRPr>
               </a:p>
             </p:txBody>
           </p:sp>
@@ -6062,42 +6091,70 @@
           <a:lstStyle/>
           <a:p>
             <a:r>
-              <a:rPr lang="de-DE" sz="2000" dirty="0"/>
+              <a:rPr lang="de-DE" sz="2000" dirty="0">
+                <a:solidFill>
+                  <a:schemeClr val="bg1"/>
+                </a:solidFill>
+              </a:rPr>
               <a:t>10101100100110011001100100101010101010101010101010</a:t>
             </a:r>
           </a:p>
           <a:p>
             <a:r>
-              <a:rPr lang="de-DE" sz="2000" dirty="0"/>
+              <a:rPr lang="de-DE" sz="2000" dirty="0">
+                <a:solidFill>
+                  <a:schemeClr val="bg1"/>
+                </a:solidFill>
+              </a:rPr>
               <a:t>1110001110001110001110001</a:t>
             </a:r>
           </a:p>
           <a:p>
             <a:r>
-              <a:rPr lang="de-DE" sz="2000" dirty="0"/>
+              <a:rPr lang="de-DE" sz="2000" dirty="0">
+                <a:solidFill>
+                  <a:schemeClr val="bg1"/>
+                </a:solidFill>
+              </a:rPr>
               <a:t>1101001100110001011001101</a:t>
             </a:r>
           </a:p>
           <a:p>
             <a:r>
-              <a:rPr lang="de-DE" sz="2000" dirty="0"/>
+              <a:rPr lang="de-DE" sz="2000" dirty="0">
+                <a:solidFill>
+                  <a:schemeClr val="bg1"/>
+                </a:solidFill>
+              </a:rPr>
               <a:t>1010110010011001100110010</a:t>
             </a:r>
           </a:p>
           <a:p>
             <a:r>
-              <a:rPr lang="de-DE" sz="2000" dirty="0"/>
+              <a:rPr lang="de-DE" sz="2000" dirty="0">
+                <a:solidFill>
+                  <a:schemeClr val="bg1"/>
+                </a:solidFill>
+              </a:rPr>
               <a:t>0111111000011111000011111</a:t>
             </a:r>
           </a:p>
           <a:p>
             <a:r>
-              <a:rPr lang="de-DE" sz="2000" dirty="0"/>
+              <a:rPr lang="de-DE" sz="2000" dirty="0">
+                <a:solidFill>
+                  <a:schemeClr val="bg1"/>
+                </a:solidFill>
+              </a:rPr>
               <a:t>1010110010011001100110010</a:t>
             </a:r>
           </a:p>
           <a:p>
-            <a:endParaRPr lang="de-DE" sz="2000" dirty="0"/>
+            <a:endParaRPr lang="de-DE" sz="2000" dirty="0">
+              <a:solidFill>
+                <a:schemeClr val="bg1"/>
+              </a:solidFill>
+            </a:endParaRPr>
           </a:p>
         </p:txBody>
       </p:sp>
@@ -6131,6 +6188,9 @@
           <a:p>
             <a:r>
               <a:rPr lang="de-DE" sz="2800" b="0" i="0" dirty="0">
+                <a:solidFill>
+                  <a:schemeClr val="bg1"/>
+                </a:solidFill>
                 <a:effectLst/>
                 <a:latin typeface="Courier New" panose="02070309020205020404" pitchFamily="49" charset="0"/>
               </a:rPr>
@@ -6138,6 +6198,9 @@
             </a:r>
             <a:r>
               <a:rPr lang="de-DE" sz="2800" b="0" i="1" u="none" strike="noStrike" dirty="0" err="1">
+                <a:solidFill>
+                  <a:schemeClr val="bg1"/>
+                </a:solidFill>
                 <a:effectLst/>
                 <a:latin typeface="Courier New" panose="02070309020205020404" pitchFamily="49" charset="0"/>
                 <a:hlinkClick r:id="rId4">
@@ -6152,6 +6215,9 @@
             </a:r>
             <a:r>
               <a:rPr lang="de-DE" sz="2800" b="0" i="0" dirty="0">
+                <a:solidFill>
+                  <a:schemeClr val="bg1"/>
+                </a:solidFill>
                 <a:effectLst/>
                 <a:latin typeface="Courier New" panose="02070309020205020404" pitchFamily="49" charset="0"/>
               </a:rPr>
@@ -6159,6 +6225,9 @@
             </a:r>
             <a:r>
               <a:rPr lang="de-DE" sz="2800" b="0" i="0" dirty="0" err="1">
+                <a:solidFill>
+                  <a:schemeClr val="bg1"/>
+                </a:solidFill>
                 <a:effectLst/>
                 <a:latin typeface="Courier New" panose="02070309020205020404" pitchFamily="49" charset="0"/>
               </a:rPr>
@@ -6166,6 +6235,9 @@
             </a:r>
             <a:r>
               <a:rPr lang="de-DE" sz="2800" b="0" i="0" dirty="0">
+                <a:solidFill>
+                  <a:schemeClr val="bg1"/>
+                </a:solidFill>
                 <a:effectLst/>
                 <a:latin typeface="Courier New" panose="02070309020205020404" pitchFamily="49" charset="0"/>
               </a:rPr>
@@ -6175,12 +6247,18 @@
           <a:p>
             <a:r>
               <a:rPr lang="de-DE" sz="2800" dirty="0">
+                <a:solidFill>
+                  <a:schemeClr val="bg1"/>
+                </a:solidFill>
                 <a:latin typeface="Courier New" panose="02070309020205020404" pitchFamily="49" charset="0"/>
               </a:rPr>
               <a:t>	</a:t>
             </a:r>
             <a:r>
               <a:rPr lang="de-DE" sz="2800" b="0" i="0" dirty="0">
+                <a:solidFill>
+                  <a:schemeClr val="bg1"/>
+                </a:solidFill>
                 <a:effectLst/>
                 <a:latin typeface="Courier New" panose="02070309020205020404" pitchFamily="49" charset="0"/>
               </a:rPr>
@@ -6188,6 +6266,9 @@
             </a:r>
             <a:r>
               <a:rPr lang="de-DE" sz="2800" b="0" i="1" u="none" strike="noStrike" dirty="0" err="1">
+                <a:solidFill>
+                  <a:schemeClr val="bg1"/>
+                </a:solidFill>
                 <a:effectLst/>
                 <a:latin typeface="Courier New" panose="02070309020205020404" pitchFamily="49" charset="0"/>
                 <a:hlinkClick r:id="rId5">
@@ -6202,6 +6283,9 @@
             </a:r>
             <a:r>
               <a:rPr lang="de-DE" sz="2800" b="0" i="0" dirty="0">
+                <a:solidFill>
+                  <a:schemeClr val="bg1"/>
+                </a:solidFill>
                 <a:effectLst/>
                 <a:latin typeface="Courier New" panose="02070309020205020404" pitchFamily="49" charset="0"/>
               </a:rPr>
@@ -6211,12 +6295,18 @@
           <a:p>
             <a:r>
               <a:rPr lang="de-DE" sz="2800" dirty="0">
+                <a:solidFill>
+                  <a:schemeClr val="bg1"/>
+                </a:solidFill>
                 <a:latin typeface="Courier New" panose="02070309020205020404" pitchFamily="49" charset="0"/>
               </a:rPr>
               <a:t>		</a:t>
             </a:r>
             <a:r>
               <a:rPr lang="de-DE" sz="2800" b="0" i="0" dirty="0">
+                <a:solidFill>
+                  <a:schemeClr val="bg1"/>
+                </a:solidFill>
                 <a:effectLst/>
                 <a:latin typeface="Courier New" panose="02070309020205020404" pitchFamily="49" charset="0"/>
               </a:rPr>
@@ -6226,12 +6316,18 @@
           <a:p>
             <a:r>
               <a:rPr lang="de-DE" sz="2800" dirty="0">
+                <a:solidFill>
+                  <a:schemeClr val="bg1"/>
+                </a:solidFill>
                 <a:latin typeface="Courier New" panose="02070309020205020404" pitchFamily="49" charset="0"/>
               </a:rPr>
               <a:t>	</a:t>
             </a:r>
             <a:r>
               <a:rPr lang="de-DE" sz="2800" b="0" i="0" dirty="0">
+                <a:solidFill>
+                  <a:schemeClr val="bg1"/>
+                </a:solidFill>
                 <a:effectLst/>
                 <a:latin typeface="Courier New" panose="02070309020205020404" pitchFamily="49" charset="0"/>
               </a:rPr>
@@ -6239,6 +6335,9 @@
             </a:r>
             <a:r>
               <a:rPr lang="de-DE" sz="2800" b="0" i="0" u="none" strike="noStrike" dirty="0">
+                <a:solidFill>
+                  <a:schemeClr val="bg1"/>
+                </a:solidFill>
                 <a:effectLst/>
                 <a:latin typeface="Courier New" panose="02070309020205020404" pitchFamily="49" charset="0"/>
                 <a:hlinkClick r:id="rId6">
@@ -6253,6 +6352,9 @@
             </a:r>
             <a:r>
               <a:rPr lang="de-DE" sz="2800" b="0" i="0" dirty="0">
+                <a:solidFill>
+                  <a:schemeClr val="bg1"/>
+                </a:solidFill>
                 <a:effectLst/>
                 <a:latin typeface="Courier New" panose="02070309020205020404" pitchFamily="49" charset="0"/>
               </a:rPr>
@@ -6260,6 +6362,9 @@
             </a:r>
             <a:r>
               <a:rPr lang="de-DE" sz="2800" b="0" i="0" dirty="0" err="1">
+                <a:solidFill>
+                  <a:schemeClr val="bg1"/>
+                </a:solidFill>
                 <a:effectLst/>
                 <a:latin typeface="Courier New" panose="02070309020205020404" pitchFamily="49" charset="0"/>
               </a:rPr>
@@ -6267,6 +6372,9 @@
             </a:r>
             <a:r>
               <a:rPr lang="de-DE" sz="2800" b="0" i="0" dirty="0">
+                <a:solidFill>
+                  <a:schemeClr val="bg1"/>
+                </a:solidFill>
                 <a:effectLst/>
                 <a:latin typeface="Courier New" panose="02070309020205020404" pitchFamily="49" charset="0"/>
               </a:rPr>
@@ -6274,6 +6382,9 @@
             </a:r>
             <a:r>
               <a:rPr lang="de-DE" sz="2800" b="0" i="0" u="none" strike="noStrike" dirty="0">
+                <a:solidFill>
+                  <a:schemeClr val="bg1"/>
+                </a:solidFill>
                 <a:effectLst/>
                 <a:latin typeface="Courier New" panose="02070309020205020404" pitchFamily="49" charset="0"/>
                 <a:hlinkClick r:id="rId7">
@@ -6288,6 +6399,9 @@
             </a:r>
             <a:r>
               <a:rPr lang="de-DE" sz="2800" b="0" i="0" dirty="0">
+                <a:solidFill>
+                  <a:schemeClr val="bg1"/>
+                </a:solidFill>
                 <a:effectLst/>
                 <a:latin typeface="Courier New" panose="02070309020205020404" pitchFamily="49" charset="0"/>
               </a:rPr>
@@ -6295,6 +6409,9 @@
             </a:r>
             <a:r>
               <a:rPr lang="de-DE" sz="2800" b="0" i="0" dirty="0" err="1">
+                <a:solidFill>
+                  <a:schemeClr val="bg1"/>
+                </a:solidFill>
                 <a:effectLst/>
                 <a:latin typeface="Courier New" panose="02070309020205020404" pitchFamily="49" charset="0"/>
               </a:rPr>
@@ -6302,6 +6419,9 @@
             </a:r>
             <a:r>
               <a:rPr lang="de-DE" sz="2800" b="0" i="0" dirty="0">
+                <a:solidFill>
+                  <a:schemeClr val="bg1"/>
+                </a:solidFill>
                 <a:effectLst/>
                 <a:latin typeface="Courier New" panose="02070309020205020404" pitchFamily="49" charset="0"/>
               </a:rPr>
@@ -6309,6 +6429,9 @@
             </a:r>
             <a:r>
               <a:rPr lang="de-DE" sz="2800" b="0" i="0" u="none" strike="noStrike" dirty="0">
+                <a:solidFill>
+                  <a:schemeClr val="bg1"/>
+                </a:solidFill>
                 <a:effectLst/>
                 <a:latin typeface="Courier New" panose="02070309020205020404" pitchFamily="49" charset="0"/>
                 <a:hlinkClick r:id="rId8">
@@ -6323,6 +6446,9 @@
             </a:r>
             <a:r>
               <a:rPr lang="de-DE" sz="2800" b="0" i="0" dirty="0">
+                <a:solidFill>
+                  <a:schemeClr val="bg1"/>
+                </a:solidFill>
                 <a:effectLst/>
                 <a:latin typeface="Courier New" panose="02070309020205020404" pitchFamily="49" charset="0"/>
               </a:rPr>
@@ -6332,12 +6458,19 @@
           <a:p>
             <a:r>
               <a:rPr lang="de-DE" sz="2800" b="0" i="0" dirty="0">
+                <a:solidFill>
+                  <a:schemeClr val="bg1"/>
+                </a:solidFill>
                 <a:effectLst/>
                 <a:latin typeface="Courier New" panose="02070309020205020404" pitchFamily="49" charset="0"/>
               </a:rPr>
               <a:t>)</a:t>
             </a:r>
-            <a:endParaRPr lang="de-DE" sz="2800" dirty="0"/>
+            <a:endParaRPr lang="de-DE" sz="2800" dirty="0">
+              <a:solidFill>
+                <a:schemeClr val="bg1"/>
+              </a:solidFill>
+            </a:endParaRPr>
           </a:p>
         </p:txBody>
       </p:sp>
@@ -6370,107 +6503,203 @@
           <a:lstStyle/>
           <a:p>
             <a:r>
-              <a:rPr lang="de-DE" dirty="0" err="1"/>
+              <a:rPr lang="de-DE" dirty="0" err="1">
+                <a:solidFill>
+                  <a:schemeClr val="bg1"/>
+                </a:solidFill>
+              </a:rPr>
               <a:t>using</a:t>
             </a:r>
             <a:r>
-              <a:rPr lang="de-DE" dirty="0"/>
+              <a:rPr lang="de-DE" dirty="0">
+                <a:solidFill>
+                  <a:schemeClr val="bg1"/>
+                </a:solidFill>
+              </a:rPr>
               <a:t> System;</a:t>
             </a:r>
           </a:p>
           <a:p>
-            <a:endParaRPr lang="de-DE" dirty="0"/>
-          </a:p>
-          <a:p>
-            <a:endParaRPr lang="de-DE" dirty="0"/>
-          </a:p>
-          <a:p>
-            <a:r>
-              <a:rPr lang="de-DE" dirty="0" err="1"/>
+            <a:endParaRPr lang="de-DE" dirty="0">
+              <a:solidFill>
+                <a:schemeClr val="bg1"/>
+              </a:solidFill>
+            </a:endParaRPr>
+          </a:p>
+          <a:p>
+            <a:endParaRPr lang="de-DE" dirty="0">
+              <a:solidFill>
+                <a:schemeClr val="bg1"/>
+              </a:solidFill>
+            </a:endParaRPr>
+          </a:p>
+          <a:p>
+            <a:r>
+              <a:rPr lang="de-DE" dirty="0" err="1">
+                <a:solidFill>
+                  <a:schemeClr val="bg1"/>
+                </a:solidFill>
+              </a:rPr>
               <a:t>public</a:t>
             </a:r>
             <a:r>
-              <a:rPr lang="de-DE" dirty="0"/>
+              <a:rPr lang="de-DE" dirty="0">
+                <a:solidFill>
+                  <a:schemeClr val="bg1"/>
+                </a:solidFill>
+              </a:rPr>
               <a:t> </a:t>
             </a:r>
             <a:r>
-              <a:rPr lang="de-DE" dirty="0" err="1"/>
+              <a:rPr lang="de-DE" dirty="0" err="1">
+                <a:solidFill>
+                  <a:schemeClr val="bg1"/>
+                </a:solidFill>
+              </a:rPr>
               <a:t>static</a:t>
             </a:r>
             <a:r>
-              <a:rPr lang="de-DE" dirty="0"/>
+              <a:rPr lang="de-DE" dirty="0">
+                <a:solidFill>
+                  <a:schemeClr val="bg1"/>
+                </a:solidFill>
+              </a:rPr>
               <a:t> </a:t>
             </a:r>
             <a:r>
-              <a:rPr lang="de-DE" dirty="0" err="1"/>
+              <a:rPr lang="de-DE" dirty="0" err="1">
+                <a:solidFill>
+                  <a:schemeClr val="bg1"/>
+                </a:solidFill>
+              </a:rPr>
               <a:t>class</a:t>
             </a:r>
             <a:r>
-              <a:rPr lang="de-DE" dirty="0"/>
+              <a:rPr lang="de-DE" dirty="0">
+                <a:solidFill>
+                  <a:schemeClr val="bg1"/>
+                </a:solidFill>
+              </a:rPr>
               <a:t> </a:t>
             </a:r>
             <a:r>
-              <a:rPr lang="de-DE" dirty="0" err="1"/>
+              <a:rPr lang="de-DE" dirty="0" err="1">
+                <a:solidFill>
+                  <a:schemeClr val="bg1"/>
+                </a:solidFill>
+              </a:rPr>
               <a:t>Program</a:t>
             </a:r>
             <a:r>
-              <a:rPr lang="de-DE" dirty="0"/>
+              <a:rPr lang="de-DE" dirty="0">
+                <a:solidFill>
+                  <a:schemeClr val="bg1"/>
+                </a:solidFill>
+              </a:rPr>
               <a:t> {</a:t>
             </a:r>
           </a:p>
           <a:p>
             <a:r>
-              <a:rPr lang="de-DE" dirty="0"/>
+              <a:rPr lang="de-DE" dirty="0">
+                <a:solidFill>
+                  <a:schemeClr val="bg1"/>
+                </a:solidFill>
+              </a:rPr>
               <a:t>	</a:t>
             </a:r>
             <a:r>
-              <a:rPr lang="de-DE" dirty="0" err="1"/>
+              <a:rPr lang="de-DE" dirty="0" err="1">
+                <a:solidFill>
+                  <a:schemeClr val="bg1"/>
+                </a:solidFill>
+              </a:rPr>
               <a:t>public</a:t>
             </a:r>
             <a:r>
-              <a:rPr lang="de-DE" dirty="0"/>
+              <a:rPr lang="de-DE" dirty="0">
+                <a:solidFill>
+                  <a:schemeClr val="bg1"/>
+                </a:solidFill>
+              </a:rPr>
               <a:t> </a:t>
             </a:r>
             <a:r>
-              <a:rPr lang="de-DE" dirty="0" err="1"/>
+              <a:rPr lang="de-DE" dirty="0" err="1">
+                <a:solidFill>
+                  <a:schemeClr val="bg1"/>
+                </a:solidFill>
+              </a:rPr>
               <a:t>static</a:t>
             </a:r>
             <a:r>
-              <a:rPr lang="de-DE" dirty="0"/>
+              <a:rPr lang="de-DE" dirty="0">
+                <a:solidFill>
+                  <a:schemeClr val="bg1"/>
+                </a:solidFill>
+              </a:rPr>
               <a:t> </a:t>
             </a:r>
             <a:r>
-              <a:rPr lang="de-DE" dirty="0" err="1"/>
+              <a:rPr lang="de-DE" dirty="0" err="1">
+                <a:solidFill>
+                  <a:schemeClr val="bg1"/>
+                </a:solidFill>
+              </a:rPr>
               <a:t>void</a:t>
             </a:r>
             <a:r>
-              <a:rPr lang="de-DE" dirty="0"/>
+              <a:rPr lang="de-DE" dirty="0">
+                <a:solidFill>
+                  <a:schemeClr val="bg1"/>
+                </a:solidFill>
+              </a:rPr>
               <a:t> Main() {</a:t>
             </a:r>
           </a:p>
           <a:p>
             <a:r>
-              <a:rPr lang="de-DE" dirty="0"/>
+              <a:rPr lang="de-DE" dirty="0">
+                <a:solidFill>
+                  <a:schemeClr val="bg1"/>
+                </a:solidFill>
+              </a:rPr>
               <a:t>		</a:t>
             </a:r>
             <a:r>
-              <a:rPr lang="de-DE" dirty="0" err="1"/>
+              <a:rPr lang="de-DE" dirty="0" err="1">
+                <a:solidFill>
+                  <a:schemeClr val="bg1"/>
+                </a:solidFill>
+              </a:rPr>
               <a:t>Console.WriteLine</a:t>
             </a:r>
             <a:r>
-              <a:rPr lang="de-DE" dirty="0"/>
+              <a:rPr lang="de-DE" dirty="0">
+                <a:solidFill>
+                  <a:schemeClr val="bg1"/>
+                </a:solidFill>
+              </a:rPr>
               <a:t>(“Hello World“);</a:t>
             </a:r>
           </a:p>
           <a:p>
             <a:r>
-              <a:rPr lang="de-DE" dirty="0"/>
+              <a:rPr lang="de-DE" dirty="0">
+                <a:solidFill>
+                  <a:schemeClr val="bg1"/>
+                </a:solidFill>
+              </a:rPr>
               <a:t>	}</a:t>
             </a:r>
           </a:p>
           <a:p>
             <a:r>
-              <a:rPr lang="de-DE" dirty="0"/>
+              <a:rPr lang="de-DE" dirty="0">
+                <a:solidFill>
+                  <a:schemeClr val="bg1"/>
+                </a:solidFill>
+              </a:rPr>
               <a:t>}</a:t>
             </a:r>
           </a:p>
@@ -6498,6 +6727,406 @@
       </p:transition>
     </mc:Fallback>
   </mc:AlternateContent>
+  <p:timing>
+    <p:tnLst>
+      <p:par>
+        <p:cTn id="1" dur="indefinite" restart="never" nodeType="tmRoot">
+          <p:childTnLst>
+            <p:seq concurrent="1" nextAc="seek">
+              <p:cTn id="2" dur="indefinite" nodeType="mainSeq">
+                <p:childTnLst>
+                  <p:par>
+                    <p:cTn id="3" fill="hold">
+                      <p:stCondLst>
+                        <p:cond delay="indefinite"/>
+                      </p:stCondLst>
+                      <p:childTnLst>
+                        <p:par>
+                          <p:cTn id="4" fill="hold">
+                            <p:stCondLst>
+                              <p:cond delay="0"/>
+                            </p:stCondLst>
+                            <p:childTnLst>
+                              <p:par>
+                                <p:cTn id="5" presetID="2" presetClass="entr" presetSubtype="2" fill="hold" grpId="0" nodeType="clickEffect">
+                                  <p:stCondLst>
+                                    <p:cond delay="0"/>
+                                  </p:stCondLst>
+                                  <p:childTnLst>
+                                    <p:set>
+                                      <p:cBhvr>
+                                        <p:cTn id="6" dur="1" fill="hold">
+                                          <p:stCondLst>
+                                            <p:cond delay="0"/>
+                                          </p:stCondLst>
+                                        </p:cTn>
+                                        <p:tgtEl>
+                                          <p:spTgt spid="8"/>
+                                        </p:tgtEl>
+                                        <p:attrNameLst>
+                                          <p:attrName>style.visibility</p:attrName>
+                                        </p:attrNameLst>
+                                      </p:cBhvr>
+                                      <p:to>
+                                        <p:strVal val="visible"/>
+                                      </p:to>
+                                    </p:set>
+                                    <p:anim calcmode="lin" valueType="num">
+                                      <p:cBhvr additive="base">
+                                        <p:cTn id="7" dur="500" fill="hold"/>
+                                        <p:tgtEl>
+                                          <p:spTgt spid="8"/>
+                                        </p:tgtEl>
+                                        <p:attrNameLst>
+                                          <p:attrName>ppt_x</p:attrName>
+                                        </p:attrNameLst>
+                                      </p:cBhvr>
+                                      <p:tavLst>
+                                        <p:tav tm="0">
+                                          <p:val>
+                                            <p:strVal val="1+#ppt_w/2"/>
+                                          </p:val>
+                                        </p:tav>
+                                        <p:tav tm="100000">
+                                          <p:val>
+                                            <p:strVal val="#ppt_x"/>
+                                          </p:val>
+                                        </p:tav>
+                                      </p:tavLst>
+                                    </p:anim>
+                                    <p:anim calcmode="lin" valueType="num">
+                                      <p:cBhvr additive="base">
+                                        <p:cTn id="8" dur="500" fill="hold"/>
+                                        <p:tgtEl>
+                                          <p:spTgt spid="8"/>
+                                        </p:tgtEl>
+                                        <p:attrNameLst>
+                                          <p:attrName>ppt_y</p:attrName>
+                                        </p:attrNameLst>
+                                      </p:cBhvr>
+                                      <p:tavLst>
+                                        <p:tav tm="0">
+                                          <p:val>
+                                            <p:strVal val="#ppt_y"/>
+                                          </p:val>
+                                        </p:tav>
+                                        <p:tav tm="100000">
+                                          <p:val>
+                                            <p:strVal val="#ppt_y"/>
+                                          </p:val>
+                                        </p:tav>
+                                      </p:tavLst>
+                                    </p:anim>
+                                  </p:childTnLst>
+                                </p:cTn>
+                              </p:par>
+                            </p:childTnLst>
+                          </p:cTn>
+                        </p:par>
+                      </p:childTnLst>
+                    </p:cTn>
+                  </p:par>
+                  <p:par>
+                    <p:cTn id="9" fill="hold">
+                      <p:stCondLst>
+                        <p:cond delay="indefinite"/>
+                      </p:stCondLst>
+                      <p:childTnLst>
+                        <p:par>
+                          <p:cTn id="10" fill="hold">
+                            <p:stCondLst>
+                              <p:cond delay="0"/>
+                            </p:stCondLst>
+                            <p:childTnLst>
+                              <p:par>
+                                <p:cTn id="11" presetID="2" presetClass="entr" presetSubtype="8" fill="hold" grpId="0" nodeType="clickEffect">
+                                  <p:stCondLst>
+                                    <p:cond delay="0"/>
+                                  </p:stCondLst>
+                                  <p:childTnLst>
+                                    <p:set>
+                                      <p:cBhvr>
+                                        <p:cTn id="12" dur="1" fill="hold">
+                                          <p:stCondLst>
+                                            <p:cond delay="0"/>
+                                          </p:stCondLst>
+                                        </p:cTn>
+                                        <p:tgtEl>
+                                          <p:spTgt spid="6"/>
+                                        </p:tgtEl>
+                                        <p:attrNameLst>
+                                          <p:attrName>style.visibility</p:attrName>
+                                        </p:attrNameLst>
+                                      </p:cBhvr>
+                                      <p:to>
+                                        <p:strVal val="visible"/>
+                                      </p:to>
+                                    </p:set>
+                                    <p:anim calcmode="lin" valueType="num">
+                                      <p:cBhvr additive="base">
+                                        <p:cTn id="13" dur="500" fill="hold"/>
+                                        <p:tgtEl>
+                                          <p:spTgt spid="6"/>
+                                        </p:tgtEl>
+                                        <p:attrNameLst>
+                                          <p:attrName>ppt_x</p:attrName>
+                                        </p:attrNameLst>
+                                      </p:cBhvr>
+                                      <p:tavLst>
+                                        <p:tav tm="0">
+                                          <p:val>
+                                            <p:strVal val="0-#ppt_w/2"/>
+                                          </p:val>
+                                        </p:tav>
+                                        <p:tav tm="100000">
+                                          <p:val>
+                                            <p:strVal val="#ppt_x"/>
+                                          </p:val>
+                                        </p:tav>
+                                      </p:tavLst>
+                                    </p:anim>
+                                    <p:anim calcmode="lin" valueType="num">
+                                      <p:cBhvr additive="base">
+                                        <p:cTn id="14" dur="500" fill="hold"/>
+                                        <p:tgtEl>
+                                          <p:spTgt spid="6"/>
+                                        </p:tgtEl>
+                                        <p:attrNameLst>
+                                          <p:attrName>ppt_y</p:attrName>
+                                        </p:attrNameLst>
+                                      </p:cBhvr>
+                                      <p:tavLst>
+                                        <p:tav tm="0">
+                                          <p:val>
+                                            <p:strVal val="#ppt_y"/>
+                                          </p:val>
+                                        </p:tav>
+                                        <p:tav tm="100000">
+                                          <p:val>
+                                            <p:strVal val="#ppt_y"/>
+                                          </p:val>
+                                        </p:tav>
+                                      </p:tavLst>
+                                    </p:anim>
+                                  </p:childTnLst>
+                                </p:cTn>
+                              </p:par>
+                            </p:childTnLst>
+                          </p:cTn>
+                        </p:par>
+                      </p:childTnLst>
+                    </p:cTn>
+                  </p:par>
+                  <p:par>
+                    <p:cTn id="15" fill="hold">
+                      <p:stCondLst>
+                        <p:cond delay="indefinite"/>
+                      </p:stCondLst>
+                      <p:childTnLst>
+                        <p:par>
+                          <p:cTn id="16" fill="hold">
+                            <p:stCondLst>
+                              <p:cond delay="0"/>
+                            </p:stCondLst>
+                            <p:childTnLst>
+                              <p:par>
+                                <p:cTn id="17" presetID="2" presetClass="entr" presetSubtype="1" fill="hold" grpId="0" nodeType="clickEffect">
+                                  <p:stCondLst>
+                                    <p:cond delay="0"/>
+                                  </p:stCondLst>
+                                  <p:childTnLst>
+                                    <p:set>
+                                      <p:cBhvr>
+                                        <p:cTn id="18" dur="1" fill="hold">
+                                          <p:stCondLst>
+                                            <p:cond delay="0"/>
+                                          </p:stCondLst>
+                                        </p:cTn>
+                                        <p:tgtEl>
+                                          <p:spTgt spid="9"/>
+                                        </p:tgtEl>
+                                        <p:attrNameLst>
+                                          <p:attrName>style.visibility</p:attrName>
+                                        </p:attrNameLst>
+                                      </p:cBhvr>
+                                      <p:to>
+                                        <p:strVal val="visible"/>
+                                      </p:to>
+                                    </p:set>
+                                    <p:anim calcmode="lin" valueType="num">
+                                      <p:cBhvr additive="base">
+                                        <p:cTn id="19" dur="500" fill="hold"/>
+                                        <p:tgtEl>
+                                          <p:spTgt spid="9"/>
+                                        </p:tgtEl>
+                                        <p:attrNameLst>
+                                          <p:attrName>ppt_x</p:attrName>
+                                        </p:attrNameLst>
+                                      </p:cBhvr>
+                                      <p:tavLst>
+                                        <p:tav tm="0">
+                                          <p:val>
+                                            <p:strVal val="#ppt_x"/>
+                                          </p:val>
+                                        </p:tav>
+                                        <p:tav tm="100000">
+                                          <p:val>
+                                            <p:strVal val="#ppt_x"/>
+                                          </p:val>
+                                        </p:tav>
+                                      </p:tavLst>
+                                    </p:anim>
+                                    <p:anim calcmode="lin" valueType="num">
+                                      <p:cBhvr additive="base">
+                                        <p:cTn id="20" dur="500" fill="hold"/>
+                                        <p:tgtEl>
+                                          <p:spTgt spid="9"/>
+                                        </p:tgtEl>
+                                        <p:attrNameLst>
+                                          <p:attrName>ppt_y</p:attrName>
+                                        </p:attrNameLst>
+                                      </p:cBhvr>
+                                      <p:tavLst>
+                                        <p:tav tm="0">
+                                          <p:val>
+                                            <p:strVal val="0-#ppt_h/2"/>
+                                          </p:val>
+                                        </p:tav>
+                                        <p:tav tm="100000">
+                                          <p:val>
+                                            <p:strVal val="#ppt_y"/>
+                                          </p:val>
+                                        </p:tav>
+                                      </p:tavLst>
+                                    </p:anim>
+                                  </p:childTnLst>
+                                </p:cTn>
+                              </p:par>
+                            </p:childTnLst>
+                          </p:cTn>
+                        </p:par>
+                      </p:childTnLst>
+                    </p:cTn>
+                  </p:par>
+                  <p:par>
+                    <p:cTn id="21" fill="hold">
+                      <p:stCondLst>
+                        <p:cond delay="indefinite"/>
+                      </p:stCondLst>
+                      <p:childTnLst>
+                        <p:par>
+                          <p:cTn id="22" fill="hold">
+                            <p:stCondLst>
+                              <p:cond delay="0"/>
+                            </p:stCondLst>
+                            <p:childTnLst>
+                              <p:par>
+                                <p:cTn id="23" presetID="2" presetClass="entr" presetSubtype="4" fill="hold" grpId="0" nodeType="clickEffect">
+                                  <p:stCondLst>
+                                    <p:cond delay="0"/>
+                                  </p:stCondLst>
+                                  <p:childTnLst>
+                                    <p:set>
+                                      <p:cBhvr>
+                                        <p:cTn id="24" dur="1" fill="hold">
+                                          <p:stCondLst>
+                                            <p:cond delay="0"/>
+                                          </p:stCondLst>
+                                        </p:cTn>
+                                        <p:tgtEl>
+                                          <p:spTgt spid="10"/>
+                                        </p:tgtEl>
+                                        <p:attrNameLst>
+                                          <p:attrName>style.visibility</p:attrName>
+                                        </p:attrNameLst>
+                                      </p:cBhvr>
+                                      <p:to>
+                                        <p:strVal val="visible"/>
+                                      </p:to>
+                                    </p:set>
+                                    <p:anim calcmode="lin" valueType="num">
+                                      <p:cBhvr additive="base">
+                                        <p:cTn id="25" dur="500" fill="hold"/>
+                                        <p:tgtEl>
+                                          <p:spTgt spid="10"/>
+                                        </p:tgtEl>
+                                        <p:attrNameLst>
+                                          <p:attrName>ppt_x</p:attrName>
+                                        </p:attrNameLst>
+                                      </p:cBhvr>
+                                      <p:tavLst>
+                                        <p:tav tm="0">
+                                          <p:val>
+                                            <p:strVal val="#ppt_x"/>
+                                          </p:val>
+                                        </p:tav>
+                                        <p:tav tm="100000">
+                                          <p:val>
+                                            <p:strVal val="#ppt_x"/>
+                                          </p:val>
+                                        </p:tav>
+                                      </p:tavLst>
+                                    </p:anim>
+                                    <p:anim calcmode="lin" valueType="num">
+                                      <p:cBhvr additive="base">
+                                        <p:cTn id="26" dur="500" fill="hold"/>
+                                        <p:tgtEl>
+                                          <p:spTgt spid="10"/>
+                                        </p:tgtEl>
+                                        <p:attrNameLst>
+                                          <p:attrName>ppt_y</p:attrName>
+                                        </p:attrNameLst>
+                                      </p:cBhvr>
+                                      <p:tavLst>
+                                        <p:tav tm="0">
+                                          <p:val>
+                                            <p:strVal val="1+#ppt_h/2"/>
+                                          </p:val>
+                                        </p:tav>
+                                        <p:tav tm="100000">
+                                          <p:val>
+                                            <p:strVal val="#ppt_y"/>
+                                          </p:val>
+                                        </p:tav>
+                                      </p:tavLst>
+                                    </p:anim>
+                                  </p:childTnLst>
+                                </p:cTn>
+                              </p:par>
+                            </p:childTnLst>
+                          </p:cTn>
+                        </p:par>
+                      </p:childTnLst>
+                    </p:cTn>
+                  </p:par>
+                </p:childTnLst>
+              </p:cTn>
+              <p:prevCondLst>
+                <p:cond evt="onPrev" delay="0">
+                  <p:tgtEl>
+                    <p:sldTgt/>
+                  </p:tgtEl>
+                </p:cond>
+              </p:prevCondLst>
+              <p:nextCondLst>
+                <p:cond evt="onNext" delay="0">
+                  <p:tgtEl>
+                    <p:sldTgt/>
+                  </p:tgtEl>
+                </p:cond>
+              </p:nextCondLst>
+            </p:seq>
+          </p:childTnLst>
+        </p:cTn>
+      </p:par>
+    </p:tnLst>
+    <p:bldLst>
+      <p:bldP spid="6" grpId="0"/>
+      <p:bldP spid="8" grpId="0"/>
+      <p:bldP spid="9" grpId="0"/>
+      <p:bldP spid="10" grpId="0"/>
+    </p:bldLst>
+  </p:timing>
 </p:sld>
 </file>
 
@@ -6536,6 +7165,117 @@
         </p:nvSpPr>
         <p:spPr>
           <a:xfrm>
+            <a:off x="0" y="1959015"/>
+            <a:ext cx="12192000" cy="2733233"/>
+          </a:xfrm>
+        </p:spPr>
+        <p:txBody>
+          <a:bodyPr/>
+          <a:lstStyle/>
+          <a:p>
+            <a:pPr marL="0" indent="0" algn="ctr">
+              <a:buNone/>
+            </a:pPr>
+            <a:r>
+              <a:rPr lang="de-DE" sz="7200" dirty="0">
+                <a:solidFill>
+                  <a:schemeClr val="bg1"/>
+                </a:solidFill>
+              </a:rPr>
+              <a:t>Fragen</a:t>
+            </a:r>
+            <a:endParaRPr lang="de-DE" sz="4400" dirty="0">
+              <a:solidFill>
+                <a:schemeClr val="bg1"/>
+              </a:solidFill>
+            </a:endParaRPr>
+          </a:p>
+        </p:txBody>
+      </p:sp>
+      <p:pic>
+        <p:nvPicPr>
+          <p:cNvPr id="4" name="Grafik 3" descr="Fragezeichen">
+            <a:extLst>
+              <a:ext uri="{FF2B5EF4-FFF2-40B4-BE49-F238E27FC236}">
+                <a16:creationId xmlns:a16="http://schemas.microsoft.com/office/drawing/2014/main" id="{3D7EF081-6429-4AAE-BA24-E49BDFA01C06}"/>
+              </a:ext>
+            </a:extLst>
+          </p:cNvPr>
+          <p:cNvPicPr>
+            <a:picLocks noChangeAspect="1"/>
+          </p:cNvPicPr>
+          <p:nvPr/>
+        </p:nvPicPr>
+        <p:blipFill>
+          <a:blip r:embed="rId2">
+            <a:extLst>
+              <a:ext uri="{96DAC541-7B7A-43D3-8B79-37D633B846F1}">
+                <asvg:svgBlip xmlns:asvg="http://schemas.microsoft.com/office/drawing/2016/SVG/main" r:embed="rId3"/>
+              </a:ext>
+            </a:extLst>
+          </a:blip>
+          <a:stretch>
+            <a:fillRect/>
+          </a:stretch>
+        </p:blipFill>
+        <p:spPr>
+          <a:xfrm>
+            <a:off x="6096000" y="1151598"/>
+            <a:ext cx="4348066" cy="4348066"/>
+          </a:xfrm>
+          <a:prstGeom prst="rect">
+            <a:avLst/>
+          </a:prstGeom>
+        </p:spPr>
+      </p:pic>
+    </p:spTree>
+    <p:extLst>
+      <p:ext uri="{BB962C8B-B14F-4D97-AF65-F5344CB8AC3E}">
+        <p14:creationId xmlns:p14="http://schemas.microsoft.com/office/powerpoint/2010/main" val="8858244"/>
+      </p:ext>
+    </p:extLst>
+  </p:cSld>
+  <p:clrMapOvr>
+    <a:masterClrMapping/>
+  </p:clrMapOvr>
+</p:sld>
+</file>
+
+<file path=ppt/slides/slide11.xml><?xml version="1.0" encoding="utf-8"?>
+<p:sld xmlns:a="http://schemas.openxmlformats.org/drawingml/2006/main" xmlns:r="http://schemas.openxmlformats.org/officeDocument/2006/relationships" xmlns:p="http://schemas.openxmlformats.org/presentationml/2006/main">
+  <p:cSld>
+    <p:spTree>
+      <p:nvGrpSpPr>
+        <p:cNvPr id="1" name=""/>
+        <p:cNvGrpSpPr/>
+        <p:nvPr/>
+      </p:nvGrpSpPr>
+      <p:grpSpPr>
+        <a:xfrm>
+          <a:off x="0" y="0"/>
+          <a:ext cx="0" cy="0"/>
+          <a:chOff x="0" y="0"/>
+          <a:chExt cx="0" cy="0"/>
+        </a:xfrm>
+      </p:grpSpPr>
+      <p:sp>
+        <p:nvSpPr>
+          <p:cNvPr id="3" name="Inhaltsplatzhalter 2">
+            <a:extLst>
+              <a:ext uri="{FF2B5EF4-FFF2-40B4-BE49-F238E27FC236}">
+                <a16:creationId xmlns:a16="http://schemas.microsoft.com/office/drawing/2014/main" id="{03FD3E67-263C-431C-8923-3839F14F17A8}"/>
+              </a:ext>
+            </a:extLst>
+          </p:cNvPr>
+          <p:cNvSpPr>
+            <a:spLocks noGrp="1"/>
+          </p:cNvSpPr>
+          <p:nvPr>
+            <p:ph idx="1"/>
+          </p:nvPr>
+        </p:nvSpPr>
+        <p:spPr>
+          <a:xfrm>
             <a:off x="684212" y="1959015"/>
             <a:ext cx="10448082" cy="2733233"/>
           </a:xfrm>
@@ -6550,7 +7290,7 @@
             <a:r>
               <a:rPr lang="de-DE" sz="4400" dirty="0">
                 <a:solidFill>
-                  <a:schemeClr val="tx1"/>
+                  <a:schemeClr val="bg1"/>
                 </a:solidFill>
               </a:rPr>
               <a:t>Vielen Dank für eure Aufmerksamkeit</a:t>
@@ -6825,7 +7565,7 @@
             <a:r>
               <a:rPr lang="de-DE" sz="2800" dirty="0">
                 <a:solidFill>
-                  <a:schemeClr val="tx1"/>
+                  <a:schemeClr val="bg1"/>
                 </a:solidFill>
               </a:rPr>
               <a:t>Anfänge der Programmierung</a:t>
@@ -6839,7 +7579,7 @@
             <a:r>
               <a:rPr lang="de-DE" sz="2800" dirty="0">
                 <a:solidFill>
-                  <a:schemeClr val="tx1"/>
+                  <a:schemeClr val="bg1"/>
                 </a:solidFill>
               </a:rPr>
               <a:t>Minimalmaschine</a:t>
@@ -6853,7 +7593,7 @@
             <a:r>
               <a:rPr lang="de-DE" sz="2800" dirty="0">
                 <a:solidFill>
-                  <a:schemeClr val="tx1"/>
+                  <a:schemeClr val="bg1"/>
                 </a:solidFill>
               </a:rPr>
               <a:t>Maschinensprache</a:t>
@@ -6867,7 +7607,7 @@
             <a:r>
               <a:rPr lang="de-DE" sz="2800" dirty="0">
                 <a:solidFill>
-                  <a:schemeClr val="tx1"/>
+                  <a:schemeClr val="bg1"/>
                 </a:solidFill>
               </a:rPr>
               <a:t>Was sind höhere Programmiersprachen?</a:t>
@@ -6881,7 +7621,7 @@
             <a:r>
               <a:rPr lang="de-DE" sz="2800" dirty="0">
                 <a:solidFill>
-                  <a:schemeClr val="tx1"/>
+                  <a:schemeClr val="bg1"/>
                 </a:solidFill>
               </a:rPr>
               <a:t>Fazit</a:t>
@@ -6894,7 +7634,7 @@
             </a:pPr>
             <a:endParaRPr lang="de-DE" sz="2800" dirty="0">
               <a:solidFill>
-                <a:schemeClr val="tx1"/>
+                <a:schemeClr val="bg1"/>
               </a:solidFill>
             </a:endParaRPr>
           </a:p>
@@ -7231,7 +7971,7 @@
             </a:pPr>
             <a:endParaRPr lang="de-DE" sz="2800" dirty="0">
               <a:solidFill>
-                <a:schemeClr val="tx1"/>
+                <a:schemeClr val="bg1"/>
               </a:solidFill>
             </a:endParaRPr>
           </a:p>
@@ -7536,46 +8276,6 @@
       </p:sp>
       <p:sp>
         <p:nvSpPr>
-          <p:cNvPr id="3" name="Inhaltsplatzhalter 2">
-            <a:extLst>
-              <a:ext uri="{FF2B5EF4-FFF2-40B4-BE49-F238E27FC236}">
-                <a16:creationId xmlns:a16="http://schemas.microsoft.com/office/drawing/2014/main" id="{610040AA-8153-4DD2-A47D-1A8ECA8D97C3}"/>
-              </a:ext>
-            </a:extLst>
-          </p:cNvPr>
-          <p:cNvSpPr>
-            <a:spLocks noGrp="1"/>
-          </p:cNvSpPr>
-          <p:nvPr>
-            <p:ph idx="1"/>
-          </p:nvPr>
-        </p:nvSpPr>
-        <p:spPr>
-          <a:xfrm>
-            <a:off x="577951" y="953692"/>
-            <a:ext cx="8534400" cy="3615267"/>
-          </a:xfrm>
-        </p:spPr>
-        <p:txBody>
-          <a:bodyPr anchor="t">
-            <a:normAutofit/>
-          </a:bodyPr>
-          <a:lstStyle/>
-          <a:p>
-            <a:pPr>
-              <a:buFont typeface="Arial" panose="05040102010807070707" pitchFamily="18" charset="2"/>
-              <a:buChar char="•"/>
-            </a:pPr>
-            <a:endParaRPr lang="de-DE" sz="2800" dirty="0">
-              <a:solidFill>
-                <a:schemeClr val="tx1"/>
-              </a:solidFill>
-            </a:endParaRPr>
-          </a:p>
-        </p:txBody>
-      </p:sp>
-      <p:sp>
-        <p:nvSpPr>
           <p:cNvPr id="14" name="Rechteck 13">
             <a:extLst>
               <a:ext uri="{FF2B5EF4-FFF2-40B4-BE49-F238E27FC236}">
@@ -7735,6 +8435,34 @@
           </p:txBody>
         </p:sp>
       </p:grpSp>
+      <p:pic>
+        <p:nvPicPr>
+          <p:cNvPr id="9" name="Grafik 8">
+            <a:extLst>
+              <a:ext uri="{FF2B5EF4-FFF2-40B4-BE49-F238E27FC236}">
+                <a16:creationId xmlns:a16="http://schemas.microsoft.com/office/drawing/2014/main" id="{4AB2A09B-7415-42CB-89B1-603D3D0B1435}"/>
+              </a:ext>
+            </a:extLst>
+          </p:cNvPr>
+          <p:cNvPicPr/>
+          <p:nvPr/>
+        </p:nvPicPr>
+        <p:blipFill>
+          <a:blip r:embed="rId3"/>
+          <a:stretch>
+            <a:fillRect/>
+          </a:stretch>
+        </p:blipFill>
+        <p:spPr>
+          <a:xfrm>
+            <a:off x="2608924" y="1153051"/>
+            <a:ext cx="6970551" cy="4245799"/>
+          </a:xfrm>
+          <a:prstGeom prst="rect">
+            <a:avLst/>
+          </a:prstGeom>
+        </p:spPr>
+      </p:pic>
     </p:spTree>
     <p:extLst>
       <p:ext uri="{BB962C8B-B14F-4D97-AF65-F5344CB8AC3E}">
@@ -7905,7 +8633,7 @@
             </a:pPr>
             <a:endParaRPr lang="de-DE" sz="2800" dirty="0">
               <a:solidFill>
-                <a:schemeClr val="tx1"/>
+                <a:schemeClr val="bg1"/>
               </a:solidFill>
             </a:endParaRPr>
           </a:p>
@@ -8114,6 +8842,231 @@
           <a:chExt cx="0" cy="0"/>
         </a:xfrm>
       </p:grpSpPr>
+      <p:cxnSp>
+        <p:nvCxnSpPr>
+          <p:cNvPr id="17" name="Gerader Verbinder 16">
+            <a:extLst>
+              <a:ext uri="{FF2B5EF4-FFF2-40B4-BE49-F238E27FC236}">
+                <a16:creationId xmlns:a16="http://schemas.microsoft.com/office/drawing/2014/main" id="{A92C5FEC-96BB-4F10-A44B-57A2452F18CD}"/>
+              </a:ext>
+            </a:extLst>
+          </p:cNvPr>
+          <p:cNvCxnSpPr/>
+          <p:nvPr/>
+        </p:nvCxnSpPr>
+        <p:spPr>
+          <a:xfrm>
+            <a:off x="1660467" y="2199577"/>
+            <a:ext cx="0" cy="564205"/>
+          </a:xfrm>
+          <a:prstGeom prst="line">
+            <a:avLst/>
+          </a:prstGeom>
+          <a:ln w="92075">
+            <a:solidFill>
+              <a:schemeClr val="accent1">
+                <a:tint val="76000"/>
+                <a:hueMod val="94000"/>
+                <a:alpha val="76000"/>
+              </a:schemeClr>
+            </a:solidFill>
+          </a:ln>
+        </p:spPr>
+        <p:style>
+          <a:lnRef idx="1">
+            <a:schemeClr val="accent1"/>
+          </a:lnRef>
+          <a:fillRef idx="0">
+            <a:schemeClr val="accent1"/>
+          </a:fillRef>
+          <a:effectRef idx="0">
+            <a:schemeClr val="accent1"/>
+          </a:effectRef>
+          <a:fontRef idx="minor">
+            <a:schemeClr val="tx1"/>
+          </a:fontRef>
+        </p:style>
+      </p:cxnSp>
+      <p:cxnSp>
+        <p:nvCxnSpPr>
+          <p:cNvPr id="18" name="Gerader Verbinder 17">
+            <a:extLst>
+              <a:ext uri="{FF2B5EF4-FFF2-40B4-BE49-F238E27FC236}">
+                <a16:creationId xmlns:a16="http://schemas.microsoft.com/office/drawing/2014/main" id="{3E9B5A20-DF7F-486B-BECB-76D81575414B}"/>
+              </a:ext>
+            </a:extLst>
+          </p:cNvPr>
+          <p:cNvCxnSpPr/>
+          <p:nvPr/>
+        </p:nvCxnSpPr>
+        <p:spPr>
+          <a:xfrm>
+            <a:off x="4209114" y="3113977"/>
+            <a:ext cx="0" cy="564205"/>
+          </a:xfrm>
+          <a:prstGeom prst="line">
+            <a:avLst/>
+          </a:prstGeom>
+          <a:ln w="92075">
+            <a:solidFill>
+              <a:schemeClr val="accent1">
+                <a:tint val="76000"/>
+                <a:hueMod val="94000"/>
+                <a:alpha val="76000"/>
+              </a:schemeClr>
+            </a:solidFill>
+          </a:ln>
+        </p:spPr>
+        <p:style>
+          <a:lnRef idx="1">
+            <a:schemeClr val="accent1"/>
+          </a:lnRef>
+          <a:fillRef idx="0">
+            <a:schemeClr val="accent1"/>
+          </a:fillRef>
+          <a:effectRef idx="0">
+            <a:schemeClr val="accent1"/>
+          </a:effectRef>
+          <a:fontRef idx="minor">
+            <a:schemeClr val="tx1"/>
+          </a:fontRef>
+        </p:style>
+      </p:cxnSp>
+      <p:cxnSp>
+        <p:nvCxnSpPr>
+          <p:cNvPr id="19" name="Gerader Verbinder 18">
+            <a:extLst>
+              <a:ext uri="{FF2B5EF4-FFF2-40B4-BE49-F238E27FC236}">
+                <a16:creationId xmlns:a16="http://schemas.microsoft.com/office/drawing/2014/main" id="{5B1FBE00-54A7-4D97-A18F-44D3C48C4C64}"/>
+              </a:ext>
+            </a:extLst>
+          </p:cNvPr>
+          <p:cNvCxnSpPr/>
+          <p:nvPr/>
+        </p:nvCxnSpPr>
+        <p:spPr>
+          <a:xfrm>
+            <a:off x="6329743" y="2277398"/>
+            <a:ext cx="0" cy="564205"/>
+          </a:xfrm>
+          <a:prstGeom prst="line">
+            <a:avLst/>
+          </a:prstGeom>
+          <a:ln w="92075">
+            <a:solidFill>
+              <a:schemeClr val="accent1">
+                <a:tint val="76000"/>
+                <a:hueMod val="94000"/>
+                <a:alpha val="76000"/>
+              </a:schemeClr>
+            </a:solidFill>
+          </a:ln>
+        </p:spPr>
+        <p:style>
+          <a:lnRef idx="1">
+            <a:schemeClr val="accent1"/>
+          </a:lnRef>
+          <a:fillRef idx="0">
+            <a:schemeClr val="accent1"/>
+          </a:fillRef>
+          <a:effectRef idx="0">
+            <a:schemeClr val="accent1"/>
+          </a:effectRef>
+          <a:fontRef idx="minor">
+            <a:schemeClr val="tx1"/>
+          </a:fontRef>
+        </p:style>
+      </p:cxnSp>
+      <p:cxnSp>
+        <p:nvCxnSpPr>
+          <p:cNvPr id="16" name="Gerader Verbinder 15">
+            <a:extLst>
+              <a:ext uri="{FF2B5EF4-FFF2-40B4-BE49-F238E27FC236}">
+                <a16:creationId xmlns:a16="http://schemas.microsoft.com/office/drawing/2014/main" id="{8A5FF3EB-1CF5-46A8-8C74-9EE0DA58D4E1}"/>
+              </a:ext>
+            </a:extLst>
+          </p:cNvPr>
+          <p:cNvCxnSpPr/>
+          <p:nvPr/>
+        </p:nvCxnSpPr>
+        <p:spPr>
+          <a:xfrm>
+            <a:off x="10561492" y="3058853"/>
+            <a:ext cx="0" cy="564205"/>
+          </a:xfrm>
+          <a:prstGeom prst="line">
+            <a:avLst/>
+          </a:prstGeom>
+          <a:ln w="92075">
+            <a:solidFill>
+              <a:schemeClr val="accent1">
+                <a:tint val="76000"/>
+                <a:hueMod val="94000"/>
+                <a:alpha val="76000"/>
+              </a:schemeClr>
+            </a:solidFill>
+          </a:ln>
+        </p:spPr>
+        <p:style>
+          <a:lnRef idx="1">
+            <a:schemeClr val="accent1"/>
+          </a:lnRef>
+          <a:fillRef idx="0">
+            <a:schemeClr val="accent1"/>
+          </a:fillRef>
+          <a:effectRef idx="0">
+            <a:schemeClr val="accent1"/>
+          </a:effectRef>
+          <a:fontRef idx="minor">
+            <a:schemeClr val="tx1"/>
+          </a:fontRef>
+        </p:style>
+      </p:cxnSp>
+      <p:cxnSp>
+        <p:nvCxnSpPr>
+          <p:cNvPr id="8" name="Gerader Verbinder 7">
+            <a:extLst>
+              <a:ext uri="{FF2B5EF4-FFF2-40B4-BE49-F238E27FC236}">
+                <a16:creationId xmlns:a16="http://schemas.microsoft.com/office/drawing/2014/main" id="{DED4766A-6C08-42DF-BDD7-BEA739CFE539}"/>
+              </a:ext>
+            </a:extLst>
+          </p:cNvPr>
+          <p:cNvCxnSpPr/>
+          <p:nvPr/>
+        </p:nvCxnSpPr>
+        <p:spPr>
+          <a:xfrm>
+            <a:off x="700671" y="3058854"/>
+            <a:ext cx="0" cy="564205"/>
+          </a:xfrm>
+          <a:prstGeom prst="line">
+            <a:avLst/>
+          </a:prstGeom>
+          <a:ln w="92075">
+            <a:solidFill>
+              <a:schemeClr val="accent1">
+                <a:tint val="76000"/>
+                <a:hueMod val="94000"/>
+                <a:alpha val="76000"/>
+              </a:schemeClr>
+            </a:solidFill>
+          </a:ln>
+        </p:spPr>
+        <p:style>
+          <a:lnRef idx="1">
+            <a:schemeClr val="accent1"/>
+          </a:lnRef>
+          <a:fillRef idx="0">
+            <a:schemeClr val="accent1"/>
+          </a:fillRef>
+          <a:effectRef idx="0">
+            <a:schemeClr val="accent1"/>
+          </a:effectRef>
+          <a:fontRef idx="minor">
+            <a:schemeClr val="tx1"/>
+          </a:fontRef>
+        </p:style>
+      </p:cxnSp>
       <p:sp>
         <p:nvSpPr>
           <p:cNvPr id="13" name="Rechteck 12">
@@ -8205,46 +9158,6 @@
               </a:rPr>
               <a:t>Höhere Programmiersprachen</a:t>
             </a:r>
-          </a:p>
-        </p:txBody>
-      </p:sp>
-      <p:sp>
-        <p:nvSpPr>
-          <p:cNvPr id="3" name="Inhaltsplatzhalter 2">
-            <a:extLst>
-              <a:ext uri="{FF2B5EF4-FFF2-40B4-BE49-F238E27FC236}">
-                <a16:creationId xmlns:a16="http://schemas.microsoft.com/office/drawing/2014/main" id="{610040AA-8153-4DD2-A47D-1A8ECA8D97C3}"/>
-              </a:ext>
-            </a:extLst>
-          </p:cNvPr>
-          <p:cNvSpPr>
-            <a:spLocks noGrp="1"/>
-          </p:cNvSpPr>
-          <p:nvPr>
-            <p:ph idx="1"/>
-          </p:nvPr>
-        </p:nvSpPr>
-        <p:spPr>
-          <a:xfrm>
-            <a:off x="577951" y="953692"/>
-            <a:ext cx="8534400" cy="3615267"/>
-          </a:xfrm>
-        </p:spPr>
-        <p:txBody>
-          <a:bodyPr anchor="t">
-            <a:normAutofit/>
-          </a:bodyPr>
-          <a:lstStyle/>
-          <a:p>
-            <a:pPr>
-              <a:buFont typeface="Arial" panose="05040102010807070707" pitchFamily="18" charset="2"/>
-              <a:buChar char="•"/>
-            </a:pPr>
-            <a:endParaRPr lang="de-DE" sz="2800" dirty="0">
-              <a:solidFill>
-                <a:schemeClr val="tx1"/>
-              </a:solidFill>
-            </a:endParaRPr>
           </a:p>
         </p:txBody>
       </p:sp>
@@ -8409,6 +9322,256 @@
           </p:txBody>
         </p:sp>
       </p:grpSp>
+      <p:cxnSp>
+        <p:nvCxnSpPr>
+          <p:cNvPr id="6" name="Gerader Verbinder 5">
+            <a:extLst>
+              <a:ext uri="{FF2B5EF4-FFF2-40B4-BE49-F238E27FC236}">
+                <a16:creationId xmlns:a16="http://schemas.microsoft.com/office/drawing/2014/main" id="{DF1682BB-3A0D-4958-8134-AD685C2518A9}"/>
+              </a:ext>
+            </a:extLst>
+          </p:cNvPr>
+          <p:cNvCxnSpPr/>
+          <p:nvPr/>
+        </p:nvCxnSpPr>
+        <p:spPr>
+          <a:xfrm>
+            <a:off x="735563" y="2942122"/>
+            <a:ext cx="10720874" cy="0"/>
+          </a:xfrm>
+          <a:prstGeom prst="line">
+            <a:avLst/>
+          </a:prstGeom>
+          <a:ln w="295275">
+            <a:solidFill>
+              <a:schemeClr val="bg1">
+                <a:lumMod val="75000"/>
+                <a:lumOff val="25000"/>
+                <a:alpha val="76000"/>
+              </a:schemeClr>
+            </a:solidFill>
+          </a:ln>
+        </p:spPr>
+        <p:style>
+          <a:lnRef idx="1">
+            <a:schemeClr val="accent1"/>
+          </a:lnRef>
+          <a:fillRef idx="0">
+            <a:schemeClr val="accent1"/>
+          </a:fillRef>
+          <a:effectRef idx="0">
+            <a:schemeClr val="accent1"/>
+          </a:effectRef>
+          <a:fontRef idx="minor">
+            <a:schemeClr val="tx1"/>
+          </a:fontRef>
+        </p:style>
+      </p:cxnSp>
+      <p:sp>
+        <p:nvSpPr>
+          <p:cNvPr id="9" name="Textfeld 8">
+            <a:extLst>
+              <a:ext uri="{FF2B5EF4-FFF2-40B4-BE49-F238E27FC236}">
+                <a16:creationId xmlns:a16="http://schemas.microsoft.com/office/drawing/2014/main" id="{02033561-F9D1-482E-8A5D-9794C6D629F1}"/>
+              </a:ext>
+            </a:extLst>
+          </p:cNvPr>
+          <p:cNvSpPr txBox="1"/>
+          <p:nvPr/>
+        </p:nvSpPr>
+        <p:spPr>
+          <a:xfrm>
+            <a:off x="83976" y="3661971"/>
+            <a:ext cx="2762643" cy="369332"/>
+          </a:xfrm>
+          <a:prstGeom prst="rect">
+            <a:avLst/>
+          </a:prstGeom>
+          <a:noFill/>
+        </p:spPr>
+        <p:txBody>
+          <a:bodyPr wrap="square" rtlCol="0">
+            <a:spAutoFit/>
+          </a:bodyPr>
+          <a:lstStyle/>
+          <a:p>
+            <a:r>
+              <a:rPr lang="de-DE" dirty="0">
+                <a:solidFill>
+                  <a:schemeClr val="bg1"/>
+                </a:solidFill>
+              </a:rPr>
+              <a:t>Maschinensprache</a:t>
+            </a:r>
+          </a:p>
+        </p:txBody>
+      </p:sp>
+      <p:sp>
+        <p:nvSpPr>
+          <p:cNvPr id="10" name="Textfeld 9">
+            <a:extLst>
+              <a:ext uri="{FF2B5EF4-FFF2-40B4-BE49-F238E27FC236}">
+                <a16:creationId xmlns:a16="http://schemas.microsoft.com/office/drawing/2014/main" id="{37BE546F-CB8B-4FB1-A7FB-E26AC9C798AA}"/>
+              </a:ext>
+            </a:extLst>
+          </p:cNvPr>
+          <p:cNvSpPr txBox="1"/>
+          <p:nvPr/>
+        </p:nvSpPr>
+        <p:spPr>
+          <a:xfrm>
+            <a:off x="1284050" y="1741075"/>
+            <a:ext cx="2412455" cy="369332"/>
+          </a:xfrm>
+          <a:prstGeom prst="rect">
+            <a:avLst/>
+          </a:prstGeom>
+          <a:noFill/>
+        </p:spPr>
+        <p:txBody>
+          <a:bodyPr wrap="square" rtlCol="0">
+            <a:spAutoFit/>
+          </a:bodyPr>
+          <a:lstStyle/>
+          <a:p>
+            <a:r>
+              <a:rPr lang="de-DE" dirty="0">
+                <a:solidFill>
+                  <a:schemeClr val="bg1"/>
+                </a:solidFill>
+              </a:rPr>
+              <a:t>Assembly</a:t>
+            </a:r>
+          </a:p>
+        </p:txBody>
+      </p:sp>
+      <p:sp>
+        <p:nvSpPr>
+          <p:cNvPr id="11" name="Textfeld 10">
+            <a:extLst>
+              <a:ext uri="{FF2B5EF4-FFF2-40B4-BE49-F238E27FC236}">
+                <a16:creationId xmlns:a16="http://schemas.microsoft.com/office/drawing/2014/main" id="{FC4D2B43-F05D-4340-B4D2-83A66E0965AA}"/>
+              </a:ext>
+            </a:extLst>
+          </p:cNvPr>
+          <p:cNvSpPr txBox="1"/>
+          <p:nvPr/>
+        </p:nvSpPr>
+        <p:spPr>
+          <a:xfrm>
+            <a:off x="4017519" y="3714434"/>
+            <a:ext cx="671214" cy="369332"/>
+          </a:xfrm>
+          <a:prstGeom prst="rect">
+            <a:avLst/>
+          </a:prstGeom>
+          <a:noFill/>
+        </p:spPr>
+        <p:txBody>
+          <a:bodyPr wrap="square" rtlCol="0">
+            <a:spAutoFit/>
+          </a:bodyPr>
+          <a:lstStyle/>
+          <a:p>
+            <a:r>
+              <a:rPr lang="de-DE" dirty="0">
+                <a:solidFill>
+                  <a:schemeClr val="bg1"/>
+                </a:solidFill>
+              </a:rPr>
+              <a:t>C</a:t>
+            </a:r>
+          </a:p>
+        </p:txBody>
+      </p:sp>
+      <p:sp>
+        <p:nvSpPr>
+          <p:cNvPr id="12" name="Textfeld 11">
+            <a:extLst>
+              <a:ext uri="{FF2B5EF4-FFF2-40B4-BE49-F238E27FC236}">
+                <a16:creationId xmlns:a16="http://schemas.microsoft.com/office/drawing/2014/main" id="{6048BD39-737E-46F1-B318-8E82CF95A867}"/>
+              </a:ext>
+            </a:extLst>
+          </p:cNvPr>
+          <p:cNvSpPr txBox="1"/>
+          <p:nvPr/>
+        </p:nvSpPr>
+        <p:spPr>
+          <a:xfrm>
+            <a:off x="6094200" y="1852942"/>
+            <a:ext cx="1629557" cy="369332"/>
+          </a:xfrm>
+          <a:prstGeom prst="rect">
+            <a:avLst/>
+          </a:prstGeom>
+          <a:noFill/>
+        </p:spPr>
+        <p:txBody>
+          <a:bodyPr wrap="square" rtlCol="0">
+            <a:spAutoFit/>
+          </a:bodyPr>
+          <a:lstStyle/>
+          <a:p>
+            <a:r>
+              <a:rPr lang="de-DE" dirty="0">
+                <a:solidFill>
+                  <a:schemeClr val="bg1"/>
+                </a:solidFill>
+              </a:rPr>
+              <a:t>C++</a:t>
+            </a:r>
+          </a:p>
+        </p:txBody>
+      </p:sp>
+      <p:sp>
+        <p:nvSpPr>
+          <p:cNvPr id="21" name="Textfeld 20">
+            <a:extLst>
+              <a:ext uri="{FF2B5EF4-FFF2-40B4-BE49-F238E27FC236}">
+                <a16:creationId xmlns:a16="http://schemas.microsoft.com/office/drawing/2014/main" id="{32917CD7-FF13-46FA-ADFF-DEB90A9407E1}"/>
+              </a:ext>
+            </a:extLst>
+          </p:cNvPr>
+          <p:cNvSpPr txBox="1"/>
+          <p:nvPr/>
+        </p:nvSpPr>
+        <p:spPr>
+          <a:xfrm>
+            <a:off x="10304987" y="3640982"/>
+            <a:ext cx="1303485" cy="646331"/>
+          </a:xfrm>
+          <a:prstGeom prst="rect">
+            <a:avLst/>
+          </a:prstGeom>
+          <a:noFill/>
+        </p:spPr>
+        <p:txBody>
+          <a:bodyPr wrap="square" rtlCol="0">
+            <a:spAutoFit/>
+          </a:bodyPr>
+          <a:lstStyle/>
+          <a:p>
+            <a:r>
+              <a:rPr lang="de-DE" dirty="0">
+                <a:solidFill>
+                  <a:schemeClr val="bg1"/>
+                </a:solidFill>
+              </a:rPr>
+              <a:t>C#</a:t>
+            </a:r>
+          </a:p>
+          <a:p>
+            <a:r>
+              <a:rPr lang="de-DE" dirty="0">
+                <a:solidFill>
+                  <a:schemeClr val="bg1"/>
+                </a:solidFill>
+              </a:rPr>
+              <a:t>Java</a:t>
+            </a:r>
+          </a:p>
+        </p:txBody>
+      </p:sp>
     </p:spTree>
     <p:extLst>
       <p:ext uri="{BB962C8B-B14F-4D97-AF65-F5344CB8AC3E}">
@@ -8540,6 +9703,454 @@
                   <a:schemeClr val="bg1"/>
                 </a:solidFill>
               </a:rPr>
+              <a:t>Compiler</a:t>
+            </a:r>
+          </a:p>
+        </p:txBody>
+      </p:sp>
+      <p:sp>
+        <p:nvSpPr>
+          <p:cNvPr id="14" name="Rechteck 13">
+            <a:extLst>
+              <a:ext uri="{FF2B5EF4-FFF2-40B4-BE49-F238E27FC236}">
+                <a16:creationId xmlns:a16="http://schemas.microsoft.com/office/drawing/2014/main" id="{6D5363DC-80F5-4B53-912E-6A982A9BD927}"/>
+              </a:ext>
+            </a:extLst>
+          </p:cNvPr>
+          <p:cNvSpPr/>
+          <p:nvPr/>
+        </p:nvSpPr>
+        <p:spPr>
+          <a:xfrm>
+            <a:off x="0" y="6315672"/>
+            <a:ext cx="12192000" cy="550717"/>
+          </a:xfrm>
+          <a:prstGeom prst="rect">
+            <a:avLst/>
+          </a:prstGeom>
+          <a:solidFill>
+            <a:schemeClr val="tx1">
+              <a:alpha val="24000"/>
+            </a:schemeClr>
+          </a:solidFill>
+          <a:ln>
+            <a:noFill/>
+          </a:ln>
+        </p:spPr>
+        <p:style>
+          <a:lnRef idx="2">
+            <a:schemeClr val="accent1">
+              <a:shade val="50000"/>
+            </a:schemeClr>
+          </a:lnRef>
+          <a:fillRef idx="1">
+            <a:schemeClr val="accent1"/>
+          </a:fillRef>
+          <a:effectRef idx="0">
+            <a:schemeClr val="accent1"/>
+          </a:effectRef>
+          <a:fontRef idx="minor">
+            <a:schemeClr val="lt1"/>
+          </a:fontRef>
+        </p:style>
+        <p:txBody>
+          <a:bodyPr rtlCol="0" anchor="ctr"/>
+          <a:lstStyle/>
+          <a:p>
+            <a:pPr algn="ctr"/>
+            <a:endParaRPr lang="de-DE"/>
+          </a:p>
+        </p:txBody>
+      </p:sp>
+      <p:grpSp>
+        <p:nvGrpSpPr>
+          <p:cNvPr id="15" name="Gruppieren 14">
+            <a:extLst>
+              <a:ext uri="{FF2B5EF4-FFF2-40B4-BE49-F238E27FC236}">
+                <a16:creationId xmlns:a16="http://schemas.microsoft.com/office/drawing/2014/main" id="{BCBCCFDB-78DF-41A8-85C8-3058ED2F9BDD}"/>
+              </a:ext>
+            </a:extLst>
+          </p:cNvPr>
+          <p:cNvGrpSpPr/>
+          <p:nvPr/>
+        </p:nvGrpSpPr>
+        <p:grpSpPr>
+          <a:xfrm>
+            <a:off x="10141402" y="6406363"/>
+            <a:ext cx="1963024" cy="369332"/>
+            <a:chOff x="8891441" y="6406363"/>
+            <a:chExt cx="1963024" cy="369332"/>
+          </a:xfrm>
+        </p:grpSpPr>
+        <p:pic>
+          <p:nvPicPr>
+            <p:cNvPr id="1026" name="Picture 2" descr="Copyright free icon">
+              <a:extLst>
+                <a:ext uri="{FF2B5EF4-FFF2-40B4-BE49-F238E27FC236}">
+                  <a16:creationId xmlns:a16="http://schemas.microsoft.com/office/drawing/2014/main" id="{59CE6A18-1CB2-434B-98E1-4ABDC7650471}"/>
+                </a:ext>
+              </a:extLst>
+            </p:cNvPr>
+            <p:cNvPicPr>
+              <a:picLocks noChangeAspect="1" noChangeArrowheads="1"/>
+            </p:cNvPicPr>
+            <p:nvPr/>
+          </p:nvPicPr>
+          <p:blipFill>
+            <a:blip r:embed="rId2">
+              <a:extLst>
+                <a:ext uri="{28A0092B-C50C-407E-A947-70E740481C1C}">
+                  <a14:useLocalDpi xmlns:a14="http://schemas.microsoft.com/office/drawing/2010/main" val="0"/>
+                </a:ext>
+              </a:extLst>
+            </a:blip>
+            <a:srcRect/>
+            <a:stretch>
+              <a:fillRect/>
+            </a:stretch>
+          </p:blipFill>
+          <p:spPr bwMode="auto">
+            <a:xfrm>
+              <a:off x="8891441" y="6437512"/>
+              <a:ext cx="327171" cy="327171"/>
+            </a:xfrm>
+            <a:prstGeom prst="rect">
+              <a:avLst/>
+            </a:prstGeom>
+            <a:noFill/>
+            <a:extLst>
+              <a:ext uri="{909E8E84-426E-40DD-AFC4-6F175D3DCCD1}">
+                <a14:hiddenFill xmlns:a14="http://schemas.microsoft.com/office/drawing/2010/main">
+                  <a:solidFill>
+                    <a:srgbClr val="FFFFFF"/>
+                  </a:solidFill>
+                </a14:hiddenFill>
+              </a:ext>
+            </a:extLst>
+          </p:spPr>
+        </p:pic>
+        <p:sp>
+          <p:nvSpPr>
+            <p:cNvPr id="4" name="Textfeld 3">
+              <a:extLst>
+                <a:ext uri="{FF2B5EF4-FFF2-40B4-BE49-F238E27FC236}">
+                  <a16:creationId xmlns:a16="http://schemas.microsoft.com/office/drawing/2014/main" id="{7605CF3E-C2A7-470A-941E-0C42BC191DBF}"/>
+                </a:ext>
+              </a:extLst>
+            </p:cNvPr>
+            <p:cNvSpPr txBox="1"/>
+            <p:nvPr/>
+          </p:nvSpPr>
+          <p:spPr>
+            <a:xfrm>
+              <a:off x="9218612" y="6406363"/>
+              <a:ext cx="1635853" cy="369332"/>
+            </a:xfrm>
+            <a:prstGeom prst="rect">
+              <a:avLst/>
+            </a:prstGeom>
+            <a:noFill/>
+          </p:spPr>
+          <p:txBody>
+            <a:bodyPr wrap="square" rtlCol="0">
+              <a:spAutoFit/>
+            </a:bodyPr>
+            <a:lstStyle/>
+            <a:p>
+              <a:r>
+                <a:rPr lang="de-DE">
+                  <a:solidFill>
+                    <a:schemeClr val="bg1"/>
+                  </a:solidFill>
+                </a:rPr>
+                <a:t>Chris Anders</a:t>
+              </a:r>
+            </a:p>
+          </p:txBody>
+        </p:sp>
+      </p:grpSp>
+      <p:pic>
+        <p:nvPicPr>
+          <p:cNvPr id="20" name="Grafik 19">
+            <a:extLst>
+              <a:ext uri="{FF2B5EF4-FFF2-40B4-BE49-F238E27FC236}">
+                <a16:creationId xmlns:a16="http://schemas.microsoft.com/office/drawing/2014/main" id="{BDBE60C7-0B65-4FEA-9EAE-C0F7DC36D086}"/>
+              </a:ext>
+            </a:extLst>
+          </p:cNvPr>
+          <p:cNvPicPr/>
+          <p:nvPr/>
+        </p:nvPicPr>
+        <p:blipFill>
+          <a:blip r:embed="rId3">
+            <a:extLst>
+              <a:ext uri="{28A0092B-C50C-407E-A947-70E740481C1C}">
+                <a14:useLocalDpi xmlns:a14="http://schemas.microsoft.com/office/drawing/2010/main" val="0"/>
+              </a:ext>
+            </a:extLst>
+          </a:blip>
+          <a:stretch>
+            <a:fillRect/>
+          </a:stretch>
+        </p:blipFill>
+        <p:spPr>
+          <a:xfrm>
+            <a:off x="379379" y="1043632"/>
+            <a:ext cx="5960056" cy="4171345"/>
+          </a:xfrm>
+          <a:prstGeom prst="rect">
+            <a:avLst/>
+          </a:prstGeom>
+        </p:spPr>
+      </p:pic>
+      <p:sp>
+        <p:nvSpPr>
+          <p:cNvPr id="3" name="Textfeld 2">
+            <a:extLst>
+              <a:ext uri="{FF2B5EF4-FFF2-40B4-BE49-F238E27FC236}">
+                <a16:creationId xmlns:a16="http://schemas.microsoft.com/office/drawing/2014/main" id="{FF13381C-04D6-4A00-832A-0C30B9D17A63}"/>
+              </a:ext>
+            </a:extLst>
+          </p:cNvPr>
+          <p:cNvSpPr txBox="1"/>
+          <p:nvPr/>
+        </p:nvSpPr>
+        <p:spPr>
+          <a:xfrm>
+            <a:off x="6517530" y="1121839"/>
+            <a:ext cx="5061625" cy="461665"/>
+          </a:xfrm>
+          <a:prstGeom prst="rect">
+            <a:avLst/>
+          </a:prstGeom>
+          <a:noFill/>
+        </p:spPr>
+        <p:txBody>
+          <a:bodyPr wrap="square" rtlCol="0">
+            <a:spAutoFit/>
+          </a:bodyPr>
+          <a:lstStyle/>
+          <a:p>
+            <a:r>
+              <a:rPr lang="de-DE" sz="2400" dirty="0">
+                <a:solidFill>
+                  <a:schemeClr val="bg1"/>
+                </a:solidFill>
+              </a:rPr>
+              <a:t>Lexer: Gruppierung in Tokens</a:t>
+            </a:r>
+          </a:p>
+        </p:txBody>
+      </p:sp>
+      <p:sp>
+        <p:nvSpPr>
+          <p:cNvPr id="23" name="Textfeld 22">
+            <a:extLst>
+              <a:ext uri="{FF2B5EF4-FFF2-40B4-BE49-F238E27FC236}">
+                <a16:creationId xmlns:a16="http://schemas.microsoft.com/office/drawing/2014/main" id="{DFF5878F-55B4-4D70-A14C-8DB7A3177F10}"/>
+              </a:ext>
+            </a:extLst>
+          </p:cNvPr>
+          <p:cNvSpPr txBox="1"/>
+          <p:nvPr/>
+        </p:nvSpPr>
+        <p:spPr>
+          <a:xfrm>
+            <a:off x="6517528" y="1983322"/>
+            <a:ext cx="5061625" cy="1200329"/>
+          </a:xfrm>
+          <a:prstGeom prst="rect">
+            <a:avLst/>
+          </a:prstGeom>
+          <a:noFill/>
+        </p:spPr>
+        <p:txBody>
+          <a:bodyPr wrap="square" rtlCol="0">
+            <a:spAutoFit/>
+          </a:bodyPr>
+          <a:lstStyle/>
+          <a:p>
+            <a:r>
+              <a:rPr lang="de-DE" sz="2400" dirty="0">
+                <a:solidFill>
+                  <a:schemeClr val="bg1"/>
+                </a:solidFill>
+              </a:rPr>
+              <a:t>Parser: Anwendung Grammatikalischer Regeln auf die Tokens</a:t>
+            </a:r>
+          </a:p>
+        </p:txBody>
+      </p:sp>
+      <p:sp>
+        <p:nvSpPr>
+          <p:cNvPr id="24" name="Textfeld 23">
+            <a:extLst>
+              <a:ext uri="{FF2B5EF4-FFF2-40B4-BE49-F238E27FC236}">
+                <a16:creationId xmlns:a16="http://schemas.microsoft.com/office/drawing/2014/main" id="{2650D681-B9C0-4D87-8C07-EA2DD2DC323C}"/>
+              </a:ext>
+            </a:extLst>
+          </p:cNvPr>
+          <p:cNvSpPr txBox="1"/>
+          <p:nvPr/>
+        </p:nvSpPr>
+        <p:spPr>
+          <a:xfrm>
+            <a:off x="6517528" y="3285346"/>
+            <a:ext cx="5061625" cy="830997"/>
+          </a:xfrm>
+          <a:prstGeom prst="rect">
+            <a:avLst/>
+          </a:prstGeom>
+          <a:noFill/>
+        </p:spPr>
+        <p:txBody>
+          <a:bodyPr wrap="square" rtlCol="0">
+            <a:spAutoFit/>
+          </a:bodyPr>
+          <a:lstStyle/>
+          <a:p>
+            <a:r>
+              <a:rPr lang="de-DE" sz="2400" dirty="0">
+                <a:solidFill>
+                  <a:schemeClr val="bg1"/>
+                </a:solidFill>
+              </a:rPr>
+              <a:t>Generator: Generierung ausführbaren Programmcodes</a:t>
+            </a:r>
+          </a:p>
+        </p:txBody>
+      </p:sp>
+    </p:spTree>
+    <p:extLst>
+      <p:ext uri="{BB962C8B-B14F-4D97-AF65-F5344CB8AC3E}">
+        <p14:creationId xmlns:p14="http://schemas.microsoft.com/office/powerpoint/2010/main" val="1074897210"/>
+      </p:ext>
+    </p:extLst>
+  </p:cSld>
+  <p:clrMapOvr>
+    <a:masterClrMapping/>
+  </p:clrMapOvr>
+  <mc:AlternateContent xmlns:mc="http://schemas.openxmlformats.org/markup-compatibility/2006" xmlns:p14="http://schemas.microsoft.com/office/powerpoint/2010/main">
+    <mc:Choice Requires="p14">
+      <p:transition spd="med" p14:dur="700">
+        <p:fade/>
+      </p:transition>
+    </mc:Choice>
+    <mc:Fallback xmlns="">
+      <p:transition spd="med">
+        <p:fade/>
+      </p:transition>
+    </mc:Fallback>
+  </mc:AlternateContent>
+</p:sld>
+</file>
+
+<file path=ppt/slides/slide9.xml><?xml version="1.0" encoding="utf-8"?>
+<p:sld xmlns:a="http://schemas.openxmlformats.org/drawingml/2006/main" xmlns:r="http://schemas.openxmlformats.org/officeDocument/2006/relationships" xmlns:p="http://schemas.openxmlformats.org/presentationml/2006/main">
+  <p:cSld>
+    <p:spTree>
+      <p:nvGrpSpPr>
+        <p:cNvPr id="1" name=""/>
+        <p:cNvGrpSpPr/>
+        <p:nvPr/>
+      </p:nvGrpSpPr>
+      <p:grpSpPr>
+        <a:xfrm>
+          <a:off x="0" y="0"/>
+          <a:ext cx="0" cy="0"/>
+          <a:chOff x="0" y="0"/>
+          <a:chExt cx="0" cy="0"/>
+        </a:xfrm>
+      </p:grpSpPr>
+      <p:sp>
+        <p:nvSpPr>
+          <p:cNvPr id="13" name="Rechteck 12">
+            <a:extLst>
+              <a:ext uri="{FF2B5EF4-FFF2-40B4-BE49-F238E27FC236}">
+                <a16:creationId xmlns:a16="http://schemas.microsoft.com/office/drawing/2014/main" id="{039F0CA3-0B6A-4C14-A5C6-6E8BEA475867}"/>
+              </a:ext>
+            </a:extLst>
+          </p:cNvPr>
+          <p:cNvSpPr/>
+          <p:nvPr/>
+        </p:nvSpPr>
+        <p:spPr>
+          <a:xfrm>
+            <a:off x="0" y="-25166"/>
+            <a:ext cx="12192000" cy="550717"/>
+          </a:xfrm>
+          <a:prstGeom prst="rect">
+            <a:avLst/>
+          </a:prstGeom>
+          <a:solidFill>
+            <a:schemeClr val="tx1">
+              <a:alpha val="24000"/>
+            </a:schemeClr>
+          </a:solidFill>
+          <a:ln>
+            <a:noFill/>
+          </a:ln>
+        </p:spPr>
+        <p:style>
+          <a:lnRef idx="2">
+            <a:schemeClr val="accent1">
+              <a:shade val="50000"/>
+            </a:schemeClr>
+          </a:lnRef>
+          <a:fillRef idx="1">
+            <a:schemeClr val="accent1"/>
+          </a:fillRef>
+          <a:effectRef idx="0">
+            <a:schemeClr val="accent1"/>
+          </a:effectRef>
+          <a:fontRef idx="minor">
+            <a:schemeClr val="lt1"/>
+          </a:fontRef>
+        </p:style>
+        <p:txBody>
+          <a:bodyPr rtlCol="0" anchor="ctr"/>
+          <a:lstStyle/>
+          <a:p>
+            <a:pPr algn="ctr"/>
+            <a:endParaRPr lang="de-DE"/>
+          </a:p>
+        </p:txBody>
+      </p:sp>
+      <p:sp>
+        <p:nvSpPr>
+          <p:cNvPr id="2" name="Titel 1">
+            <a:extLst>
+              <a:ext uri="{FF2B5EF4-FFF2-40B4-BE49-F238E27FC236}">
+                <a16:creationId xmlns:a16="http://schemas.microsoft.com/office/drawing/2014/main" id="{EF92486A-E9CE-4616-ACE4-A2CA0CEF5D6C}"/>
+              </a:ext>
+            </a:extLst>
+          </p:cNvPr>
+          <p:cNvSpPr>
+            <a:spLocks noGrp="1"/>
+          </p:cNvSpPr>
+          <p:nvPr>
+            <p:ph type="title"/>
+          </p:nvPr>
+        </p:nvSpPr>
+        <p:spPr>
+          <a:xfrm>
+            <a:off x="83976" y="54134"/>
+            <a:ext cx="12020449" cy="428675"/>
+          </a:xfrm>
+        </p:spPr>
+        <p:txBody>
+          <a:bodyPr>
+            <a:normAutofit fontScale="90000"/>
+          </a:bodyPr>
+          <a:lstStyle/>
+          <a:p>
+            <a:pPr algn="ctr"/>
+            <a:r>
+              <a:rPr lang="de-DE" dirty="0">
+                <a:solidFill>
+                  <a:schemeClr val="bg1"/>
+                </a:solidFill>
+              </a:rPr>
               <a:t>Fazit</a:t>
             </a:r>
           </a:p>
@@ -8579,7 +10190,7 @@
             </a:pPr>
             <a:endParaRPr lang="de-DE" sz="2800" dirty="0">
               <a:solidFill>
-                <a:schemeClr val="tx1"/>
+                <a:schemeClr val="bg1"/>
               </a:solidFill>
             </a:endParaRPr>
           </a:p>
@@ -8768,117 +10379,6 @@
       </p:transition>
     </mc:Fallback>
   </mc:AlternateContent>
-</p:sld>
-</file>
-
-<file path=ppt/slides/slide9.xml><?xml version="1.0" encoding="utf-8"?>
-<p:sld xmlns:a="http://schemas.openxmlformats.org/drawingml/2006/main" xmlns:r="http://schemas.openxmlformats.org/officeDocument/2006/relationships" xmlns:p="http://schemas.openxmlformats.org/presentationml/2006/main">
-  <p:cSld>
-    <p:spTree>
-      <p:nvGrpSpPr>
-        <p:cNvPr id="1" name=""/>
-        <p:cNvGrpSpPr/>
-        <p:nvPr/>
-      </p:nvGrpSpPr>
-      <p:grpSpPr>
-        <a:xfrm>
-          <a:off x="0" y="0"/>
-          <a:ext cx="0" cy="0"/>
-          <a:chOff x="0" y="0"/>
-          <a:chExt cx="0" cy="0"/>
-        </a:xfrm>
-      </p:grpSpPr>
-      <p:sp>
-        <p:nvSpPr>
-          <p:cNvPr id="3" name="Inhaltsplatzhalter 2">
-            <a:extLst>
-              <a:ext uri="{FF2B5EF4-FFF2-40B4-BE49-F238E27FC236}">
-                <a16:creationId xmlns:a16="http://schemas.microsoft.com/office/drawing/2014/main" id="{03FD3E67-263C-431C-8923-3839F14F17A8}"/>
-              </a:ext>
-            </a:extLst>
-          </p:cNvPr>
-          <p:cNvSpPr>
-            <a:spLocks noGrp="1"/>
-          </p:cNvSpPr>
-          <p:nvPr>
-            <p:ph idx="1"/>
-          </p:nvPr>
-        </p:nvSpPr>
-        <p:spPr>
-          <a:xfrm>
-            <a:off x="0" y="1959015"/>
-            <a:ext cx="11132294" cy="2733233"/>
-          </a:xfrm>
-        </p:spPr>
-        <p:txBody>
-          <a:bodyPr/>
-          <a:lstStyle/>
-          <a:p>
-            <a:pPr marL="0" indent="0" algn="ctr">
-              <a:buNone/>
-            </a:pPr>
-            <a:r>
-              <a:rPr lang="de-DE" sz="7200" dirty="0">
-                <a:solidFill>
-                  <a:schemeClr val="tx1"/>
-                </a:solidFill>
-              </a:rPr>
-              <a:t>Fragen</a:t>
-            </a:r>
-            <a:endParaRPr lang="de-DE" sz="4400" dirty="0">
-              <a:solidFill>
-                <a:schemeClr val="tx1"/>
-              </a:solidFill>
-            </a:endParaRPr>
-          </a:p>
-        </p:txBody>
-      </p:sp>
-      <p:pic>
-        <p:nvPicPr>
-          <p:cNvPr id="4" name="Grafik 3" descr="Fragezeichen">
-            <a:extLst>
-              <a:ext uri="{FF2B5EF4-FFF2-40B4-BE49-F238E27FC236}">
-                <a16:creationId xmlns:a16="http://schemas.microsoft.com/office/drawing/2014/main" id="{3D7EF081-6429-4AAE-BA24-E49BDFA01C06}"/>
-              </a:ext>
-            </a:extLst>
-          </p:cNvPr>
-          <p:cNvPicPr>
-            <a:picLocks noChangeAspect="1"/>
-          </p:cNvPicPr>
-          <p:nvPr/>
-        </p:nvPicPr>
-        <p:blipFill>
-          <a:blip r:embed="rId2">
-            <a:extLst>
-              <a:ext uri="{96DAC541-7B7A-43D3-8B79-37D633B846F1}">
-                <asvg:svgBlip xmlns:asvg="http://schemas.microsoft.com/office/drawing/2016/SVG/main" r:embed="rId3"/>
-              </a:ext>
-            </a:extLst>
-          </a:blip>
-          <a:stretch>
-            <a:fillRect/>
-          </a:stretch>
-        </p:blipFill>
-        <p:spPr>
-          <a:xfrm>
-            <a:off x="3392114" y="1012371"/>
-            <a:ext cx="4348066" cy="4348066"/>
-          </a:xfrm>
-          <a:prstGeom prst="rect">
-            <a:avLst/>
-          </a:prstGeom>
-        </p:spPr>
-      </p:pic>
-    </p:spTree>
-    <p:extLst>
-      <p:ext uri="{BB962C8B-B14F-4D97-AF65-F5344CB8AC3E}">
-        <p14:creationId xmlns:p14="http://schemas.microsoft.com/office/powerpoint/2010/main" val="8858244"/>
-      </p:ext>
-    </p:extLst>
-  </p:cSld>
-  <p:clrMapOvr>
-    <a:masterClrMapping/>
-  </p:clrMapOvr>
 </p:sld>
 </file>
 
